--- a/PPT43.pptx
+++ b/PPT43.pptx
@@ -273,7 +273,7 @@
           <a:p>
             <a:fld id="{BDF5B7B3-C534-42DE-8E1D-7FBB8A579928}" type="datetimeFigureOut">
               <a:rPr lang="en-US" smtClean="0"/>
-              <a:t>5/20/2025</a:t>
+              <a:t>5/21/2025</a:t>
             </a:fld>
             <a:endParaRPr lang="en-US"/>
           </a:p>
@@ -450,7 +450,7 @@
           <a:p>
             <a:fld id="{F374C232-036A-4EC1-BC5D-6F7874F89560}" type="datetimeFigureOut">
               <a:rPr lang="en-GB" smtClean="0"/>
-              <a:t>20/05/2025</a:t>
+              <a:t>21/05/2025</a:t>
             </a:fld>
             <a:endParaRPr lang="en-GB"/>
           </a:p>
@@ -1910,7 +1910,7 @@
         </p:blipFill>
         <p:spPr>
           <a:xfrm>
-            <a:off x="7303436" y="0"/>
+            <a:off x="7303437" y="0"/>
             <a:ext cx="1840564" cy="360000"/>
           </a:xfrm>
           <a:prstGeom prst="rect">
@@ -1936,7 +1936,7 @@
         </p:nvSpPr>
         <p:spPr>
           <a:xfrm>
-            <a:off x="7086600" y="6492875"/>
+            <a:off x="7086600" y="6492877"/>
             <a:ext cx="2057400" cy="365125"/>
           </a:xfrm>
           <a:prstGeom prst="rect">
@@ -2026,7 +2026,7 @@
         </p:blipFill>
         <p:spPr>
           <a:xfrm>
-            <a:off x="5364335" y="0"/>
+            <a:off x="5364336" y="0"/>
             <a:ext cx="1837501" cy="360000"/>
           </a:xfrm>
           <a:prstGeom prst="rect">
@@ -2052,7 +2052,7 @@
         </p:nvSpPr>
         <p:spPr>
           <a:xfrm>
-            <a:off x="0" y="365123"/>
+            <a:off x="1" y="365123"/>
             <a:ext cx="9153031" cy="720000"/>
           </a:xfrm>
           <a:prstGeom prst="rect">
@@ -2106,7 +2106,7 @@
         </p:nvSpPr>
         <p:spPr>
           <a:xfrm>
-            <a:off x="0" y="6492875"/>
+            <a:off x="0" y="6492877"/>
             <a:ext cx="7086600" cy="365125"/>
           </a:xfrm>
           <a:prstGeom prst="rect">
@@ -2242,7 +2242,7 @@
     </p:spTree>
     <p:extLst>
       <p:ext uri="{BB962C8B-B14F-4D97-AF65-F5344CB8AC3E}">
-        <p14:creationId xmlns:p14="http://schemas.microsoft.com/office/powerpoint/2010/main" val="2508621605"/>
+        <p14:creationId xmlns:p14="http://schemas.microsoft.com/office/powerpoint/2010/main" val="1426250022"/>
       </p:ext>
     </p:extLst>
   </p:cSld>
@@ -2269,48 +2269,12 @@
           <a:chExt cx="0" cy="0"/>
         </a:xfrm>
       </p:grpSpPr>
-      <p:pic>
-        <p:nvPicPr>
-          <p:cNvPr id="10" name="Picture 9" descr="A black background with white text&#10;&#10;AI-generated content may be incorrect.">
-            <a:extLst>
-              <a:ext uri="{FF2B5EF4-FFF2-40B4-BE49-F238E27FC236}">
-                <a16:creationId xmlns:a16="http://schemas.microsoft.com/office/drawing/2014/main" id="{53CC45D1-3859-8CB3-6169-9830FF8591E7}"/>
-              </a:ext>
-            </a:extLst>
-          </p:cNvPr>
-          <p:cNvPicPr>
-            <a:picLocks noChangeAspect="1"/>
-          </p:cNvPicPr>
-          <p:nvPr userDrawn="1"/>
-        </p:nvPicPr>
-        <p:blipFill>
-          <a:blip r:embed="rId2">
-            <a:extLst>
-              <a:ext uri="{28A0092B-C50C-407E-A947-70E740481C1C}">
-                <a14:useLocalDpi xmlns:a14="http://schemas.microsoft.com/office/drawing/2010/main" val="0"/>
-              </a:ext>
-            </a:extLst>
-          </a:blip>
-          <a:stretch>
-            <a:fillRect/>
-          </a:stretch>
-        </p:blipFill>
-        <p:spPr>
-          <a:xfrm>
-            <a:off x="7303436" y="0"/>
-            <a:ext cx="1840564" cy="360000"/>
-          </a:xfrm>
-          <a:prstGeom prst="rect">
-            <a:avLst/>
-          </a:prstGeom>
-        </p:spPr>
-      </p:pic>
       <p:sp>
         <p:nvSpPr>
-          <p:cNvPr id="13" name="Slide Number Placeholder 5">
-            <a:extLst>
-              <a:ext uri="{FF2B5EF4-FFF2-40B4-BE49-F238E27FC236}">
-                <a16:creationId xmlns:a16="http://schemas.microsoft.com/office/drawing/2014/main" id="{E953911D-A4CF-03AD-50F6-B840017DF747}"/>
+          <p:cNvPr id="2" name="Content Placeholder 8">
+            <a:extLst>
+              <a:ext uri="{FF2B5EF4-FFF2-40B4-BE49-F238E27FC236}">
+                <a16:creationId xmlns:a16="http://schemas.microsoft.com/office/drawing/2014/main" id="{4C7592C4-FB22-28C5-0BBC-BB6B520C6AFC}"/>
               </a:ext>
             </a:extLst>
           </p:cNvPr>
@@ -2318,13 +2282,13 @@
             <a:spLocks noGrp="1"/>
           </p:cNvSpPr>
           <p:nvPr>
-            <p:ph type="sldNum" sz="quarter" idx="4"/>
+            <p:ph sz="quarter" idx="20"/>
           </p:nvPr>
         </p:nvSpPr>
         <p:spPr>
           <a:xfrm>
-            <a:off x="7086600" y="6492875"/>
-            <a:ext cx="2057400" cy="365125"/>
+            <a:off x="252000" y="3815458"/>
+            <a:ext cx="2880000" cy="2160000"/>
           </a:xfrm>
           <a:prstGeom prst="rect">
             <a:avLst/>
@@ -2333,214 +2297,28 @@
         <p:txBody>
           <a:bodyPr/>
           <a:lstStyle>
-            <a:lvl1pPr algn="r">
-              <a:defRPr>
-                <a:latin typeface="Times New Roman" panose="02020603050405020304" pitchFamily="18" charset="0"/>
+            <a:lvl1pPr marL="457200" indent="-457200">
+              <a:buFont typeface="Arial" panose="020B0604020202020204" pitchFamily="34" charset="0"/>
+              <a:buChar char="•"/>
+              <a:defRPr lang="en-US" sz="2000" kern="1200" dirty="0" smtClean="0">
+                <a:solidFill>
+                  <a:schemeClr val="tx1"/>
+                </a:solidFill>
+                <a:latin typeface="Times New Roman" panose="02020603050405020304" pitchFamily="18" charset="0"/>
+                <a:ea typeface="+mn-ea"/>
                 <a:cs typeface="Times New Roman" panose="02020603050405020304" pitchFamily="18" charset="0"/>
               </a:defRPr>
             </a:lvl1pPr>
-          </a:lstStyle>
-          <a:p>
-            <a:fld id="{0BB20505-AD5B-487A-9113-4A5752A29EBB}" type="slidenum">
-              <a:rPr lang="en-GB" smtClean="0"/>
-              <a:pPr/>
-              <a:t>‹#›</a:t>
-            </a:fld>
-            <a:endParaRPr lang="en-GB" dirty="0"/>
-          </a:p>
-        </p:txBody>
-      </p:sp>
-      <p:pic>
-        <p:nvPicPr>
-          <p:cNvPr id="14" name="Picture 13" descr="ppt template14.jpg">
-            <a:extLst>
-              <a:ext uri="{FF2B5EF4-FFF2-40B4-BE49-F238E27FC236}">
-                <a16:creationId xmlns:a16="http://schemas.microsoft.com/office/drawing/2014/main" id="{EA64CD26-E351-DBCA-1ECD-A9EECE397BEE}"/>
-              </a:ext>
-            </a:extLst>
-          </p:cNvPr>
-          <p:cNvPicPr>
-            <a:picLocks noChangeAspect="1"/>
-          </p:cNvPicPr>
-          <p:nvPr userDrawn="1"/>
-        </p:nvPicPr>
-        <p:blipFill rotWithShape="1">
-          <a:blip r:embed="rId3">
-            <a:extLst>
-              <a:ext uri="{28A0092B-C50C-407E-A947-70E740481C1C}">
-                <a14:useLocalDpi xmlns:a14="http://schemas.microsoft.com/office/drawing/2010/main" val="0"/>
-              </a:ext>
-            </a:extLst>
-          </a:blip>
-          <a:srcRect l="4801" r="33333" b="94598"/>
-          <a:stretch/>
-        </p:blipFill>
-        <p:spPr>
-          <a:xfrm>
-            <a:off x="-9031" y="0"/>
-            <a:ext cx="5400000" cy="353694"/>
-          </a:xfrm>
-          <a:prstGeom prst="rect">
-            <a:avLst/>
-          </a:prstGeom>
-        </p:spPr>
-      </p:pic>
-      <p:pic>
-        <p:nvPicPr>
-          <p:cNvPr id="15" name="Picture 14" descr="A black background with blue text&#10;&#10;Description automatically generated">
-            <a:extLst>
-              <a:ext uri="{FF2B5EF4-FFF2-40B4-BE49-F238E27FC236}">
-                <a16:creationId xmlns:a16="http://schemas.microsoft.com/office/drawing/2014/main" id="{F2768D15-E35C-7744-4661-DD9FD01D5B1A}"/>
-              </a:ext>
-            </a:extLst>
-          </p:cNvPr>
-          <p:cNvPicPr>
-            <a:picLocks noChangeAspect="1"/>
-          </p:cNvPicPr>
-          <p:nvPr userDrawn="1"/>
-        </p:nvPicPr>
-        <p:blipFill>
-          <a:blip r:embed="rId4">
-            <a:extLst>
-              <a:ext uri="{28A0092B-C50C-407E-A947-70E740481C1C}">
-                <a14:useLocalDpi xmlns:a14="http://schemas.microsoft.com/office/drawing/2010/main" val="0"/>
-              </a:ext>
-            </a:extLst>
-          </a:blip>
-          <a:stretch>
-            <a:fillRect/>
-          </a:stretch>
-        </p:blipFill>
-        <p:spPr>
-          <a:xfrm>
-            <a:off x="5364335" y="0"/>
-            <a:ext cx="1837501" cy="360000"/>
-          </a:xfrm>
-          <a:prstGeom prst="rect">
-            <a:avLst/>
-          </a:prstGeom>
-        </p:spPr>
-      </p:pic>
-      <p:sp>
-        <p:nvSpPr>
-          <p:cNvPr id="18" name="Title 17">
-            <a:extLst>
-              <a:ext uri="{FF2B5EF4-FFF2-40B4-BE49-F238E27FC236}">
-                <a16:creationId xmlns:a16="http://schemas.microsoft.com/office/drawing/2014/main" id="{B08E5CE5-F7C1-2D7E-5696-1F6E37A5BE5E}"/>
-              </a:ext>
-            </a:extLst>
-          </p:cNvPr>
-          <p:cNvSpPr>
-            <a:spLocks noGrp="1"/>
-          </p:cNvSpPr>
-          <p:nvPr>
-            <p:ph type="title"/>
-          </p:nvPr>
-        </p:nvSpPr>
-        <p:spPr>
-          <a:xfrm>
-            <a:off x="0" y="365123"/>
-            <a:ext cx="9153031" cy="720000"/>
-          </a:xfrm>
-          <a:prstGeom prst="rect">
-            <a:avLst/>
-          </a:prstGeom>
-        </p:spPr>
-        <p:txBody>
-          <a:bodyPr anchor="ctr"/>
-          <a:lstStyle>
-            <a:lvl1pPr algn="l" defTabSz="914400" rtl="0" eaLnBrk="1" latinLnBrk="0" hangingPunct="1">
-              <a:lnSpc>
-                <a:spcPct val="90000"/>
-              </a:lnSpc>
-              <a:spcBef>
-                <a:spcPct val="0"/>
-              </a:spcBef>
-              <a:buNone/>
-              <a:defRPr lang="en-US" sz="2400" b="1" kern="1200" dirty="0">
+            <a:lvl2pPr>
+              <a:defRPr lang="en-US" sz="1800" kern="1200" dirty="0" smtClean="0">
                 <a:solidFill>
-                  <a:srgbClr val="9E2435"/>
+                  <a:schemeClr val="tx1"/>
                 </a:solidFill>
                 <a:latin typeface="Times New Roman" panose="02020603050405020304" pitchFamily="18" charset="0"/>
-                <a:ea typeface="+mj-ea"/>
-                <a:cs typeface="Times New Roman" panose="02020603050405020304" pitchFamily="18" charset="0"/>
-              </a:defRPr>
-            </a:lvl1pPr>
-          </a:lstStyle>
-          <a:p>
-            <a:r>
-              <a:rPr lang="en-US" dirty="0"/>
-              <a:t>Click to edit Master title style</a:t>
-            </a:r>
-          </a:p>
-        </p:txBody>
-      </p:sp>
-      <p:sp>
-        <p:nvSpPr>
-          <p:cNvPr id="16" name="Text Placeholder 19">
-            <a:extLst>
-              <a:ext uri="{FF2B5EF4-FFF2-40B4-BE49-F238E27FC236}">
-                <a16:creationId xmlns:a16="http://schemas.microsoft.com/office/drawing/2014/main" id="{B666C9C0-B442-3A92-B330-E371CE9C6F24}"/>
-              </a:ext>
-            </a:extLst>
-          </p:cNvPr>
-          <p:cNvSpPr>
-            <a:spLocks noGrp="1"/>
-          </p:cNvSpPr>
-          <p:nvPr>
-            <p:ph type="body" sz="quarter" idx="17"/>
-          </p:nvPr>
-        </p:nvSpPr>
-        <p:spPr>
-          <a:xfrm>
-            <a:off x="3427000" y="1283669"/>
-            <a:ext cx="5465000" cy="4691789"/>
-          </a:xfrm>
-          <a:prstGeom prst="rect">
-            <a:avLst/>
-          </a:prstGeom>
-        </p:spPr>
-        <p:txBody>
-          <a:bodyPr/>
-          <a:lstStyle>
-            <a:lvl1pPr>
-              <a:lnSpc>
-                <a:spcPct val="100000"/>
-              </a:lnSpc>
-              <a:defRPr sz="2000">
-                <a:latin typeface="Times New Roman" panose="02020603050405020304" pitchFamily="18" charset="0"/>
-                <a:cs typeface="Times New Roman" panose="02020603050405020304" pitchFamily="18" charset="0"/>
-              </a:defRPr>
-            </a:lvl1pPr>
-            <a:lvl2pPr marL="457200" indent="0">
-              <a:lnSpc>
-                <a:spcPct val="100000"/>
-              </a:lnSpc>
-              <a:buFont typeface="Wingdings" panose="05000000000000000000" pitchFamily="2" charset="2"/>
-              <a:buNone/>
-              <a:defRPr sz="1800">
-                <a:latin typeface="Times New Roman" panose="02020603050405020304" pitchFamily="18" charset="0"/>
+                <a:ea typeface="+mn-ea"/>
                 <a:cs typeface="Times New Roman" panose="02020603050405020304" pitchFamily="18" charset="0"/>
               </a:defRPr>
             </a:lvl2pPr>
-            <a:lvl3pPr>
-              <a:defRPr sz="2000">
-                <a:latin typeface="Times New Roman" panose="02020603050405020304" pitchFamily="18" charset="0"/>
-                <a:cs typeface="Times New Roman" panose="02020603050405020304" pitchFamily="18" charset="0"/>
-              </a:defRPr>
-            </a:lvl3pPr>
-            <a:lvl4pPr>
-              <a:defRPr sz="2000">
-                <a:latin typeface="Times New Roman" panose="02020603050405020304" pitchFamily="18" charset="0"/>
-                <a:cs typeface="Times New Roman" panose="02020603050405020304" pitchFamily="18" charset="0"/>
-              </a:defRPr>
-            </a:lvl4pPr>
-            <a:lvl5pPr>
-              <a:defRPr sz="2000">
-                <a:latin typeface="Times New Roman" panose="02020603050405020304" pitchFamily="18" charset="0"/>
-                <a:cs typeface="Times New Roman" panose="02020603050405020304" pitchFamily="18" charset="0"/>
-              </a:defRPr>
-            </a:lvl5pPr>
           </a:lstStyle>
           <a:p>
             <a:pPr lvl="0"/>
@@ -2572,6 +2350,315 @@
               <a:t>Click to edit Master text styles</a:t>
             </a:r>
           </a:p>
+          <a:p>
+            <a:pPr lvl="0"/>
+            <a:endParaRPr lang="en-US" dirty="0"/>
+          </a:p>
+        </p:txBody>
+      </p:sp>
+      <p:pic>
+        <p:nvPicPr>
+          <p:cNvPr id="10" name="Picture 9" descr="A black background with white text&#10;&#10;AI-generated content may be incorrect.">
+            <a:extLst>
+              <a:ext uri="{FF2B5EF4-FFF2-40B4-BE49-F238E27FC236}">
+                <a16:creationId xmlns:a16="http://schemas.microsoft.com/office/drawing/2014/main" id="{53CC45D1-3859-8CB3-6169-9830FF8591E7}"/>
+              </a:ext>
+            </a:extLst>
+          </p:cNvPr>
+          <p:cNvPicPr>
+            <a:picLocks noChangeAspect="1"/>
+          </p:cNvPicPr>
+          <p:nvPr userDrawn="1"/>
+        </p:nvPicPr>
+        <p:blipFill>
+          <a:blip r:embed="rId2">
+            <a:extLst>
+              <a:ext uri="{28A0092B-C50C-407E-A947-70E740481C1C}">
+                <a14:useLocalDpi xmlns:a14="http://schemas.microsoft.com/office/drawing/2010/main" val="0"/>
+              </a:ext>
+            </a:extLst>
+          </a:blip>
+          <a:stretch>
+            <a:fillRect/>
+          </a:stretch>
+        </p:blipFill>
+        <p:spPr>
+          <a:xfrm>
+            <a:off x="7303437" y="0"/>
+            <a:ext cx="1840564" cy="360000"/>
+          </a:xfrm>
+          <a:prstGeom prst="rect">
+            <a:avLst/>
+          </a:prstGeom>
+        </p:spPr>
+      </p:pic>
+      <p:sp>
+        <p:nvSpPr>
+          <p:cNvPr id="13" name="Slide Number Placeholder 5">
+            <a:extLst>
+              <a:ext uri="{FF2B5EF4-FFF2-40B4-BE49-F238E27FC236}">
+                <a16:creationId xmlns:a16="http://schemas.microsoft.com/office/drawing/2014/main" id="{E953911D-A4CF-03AD-50F6-B840017DF747}"/>
+              </a:ext>
+            </a:extLst>
+          </p:cNvPr>
+          <p:cNvSpPr>
+            <a:spLocks noGrp="1"/>
+          </p:cNvSpPr>
+          <p:nvPr>
+            <p:ph type="sldNum" sz="quarter" idx="4"/>
+          </p:nvPr>
+        </p:nvSpPr>
+        <p:spPr>
+          <a:xfrm>
+            <a:off x="7086600" y="6492877"/>
+            <a:ext cx="2057400" cy="365125"/>
+          </a:xfrm>
+          <a:prstGeom prst="rect">
+            <a:avLst/>
+          </a:prstGeom>
+        </p:spPr>
+        <p:txBody>
+          <a:bodyPr/>
+          <a:lstStyle>
+            <a:lvl1pPr algn="r">
+              <a:defRPr>
+                <a:latin typeface="Times New Roman" panose="02020603050405020304" pitchFamily="18" charset="0"/>
+                <a:cs typeface="Times New Roman" panose="02020603050405020304" pitchFamily="18" charset="0"/>
+              </a:defRPr>
+            </a:lvl1pPr>
+          </a:lstStyle>
+          <a:p>
+            <a:fld id="{0BB20505-AD5B-487A-9113-4A5752A29EBB}" type="slidenum">
+              <a:rPr lang="en-GB" smtClean="0"/>
+              <a:pPr/>
+              <a:t>‹#›</a:t>
+            </a:fld>
+            <a:endParaRPr lang="en-GB" dirty="0"/>
+          </a:p>
+        </p:txBody>
+      </p:sp>
+      <p:pic>
+        <p:nvPicPr>
+          <p:cNvPr id="14" name="Picture 13" descr="ppt template14.jpg">
+            <a:extLst>
+              <a:ext uri="{FF2B5EF4-FFF2-40B4-BE49-F238E27FC236}">
+                <a16:creationId xmlns:a16="http://schemas.microsoft.com/office/drawing/2014/main" id="{EA64CD26-E351-DBCA-1ECD-A9EECE397BEE}"/>
+              </a:ext>
+            </a:extLst>
+          </p:cNvPr>
+          <p:cNvPicPr>
+            <a:picLocks noChangeAspect="1"/>
+          </p:cNvPicPr>
+          <p:nvPr userDrawn="1"/>
+        </p:nvPicPr>
+        <p:blipFill rotWithShape="1">
+          <a:blip r:embed="rId3">
+            <a:extLst>
+              <a:ext uri="{28A0092B-C50C-407E-A947-70E740481C1C}">
+                <a14:useLocalDpi xmlns:a14="http://schemas.microsoft.com/office/drawing/2010/main" val="0"/>
+              </a:ext>
+            </a:extLst>
+          </a:blip>
+          <a:srcRect l="4801" r="33333" b="94598"/>
+          <a:stretch/>
+        </p:blipFill>
+        <p:spPr>
+          <a:xfrm>
+            <a:off x="-9031" y="0"/>
+            <a:ext cx="5400000" cy="353694"/>
+          </a:xfrm>
+          <a:prstGeom prst="rect">
+            <a:avLst/>
+          </a:prstGeom>
+        </p:spPr>
+      </p:pic>
+      <p:pic>
+        <p:nvPicPr>
+          <p:cNvPr id="15" name="Picture 14" descr="A black background with blue text&#10;&#10;Description automatically generated">
+            <a:extLst>
+              <a:ext uri="{FF2B5EF4-FFF2-40B4-BE49-F238E27FC236}">
+                <a16:creationId xmlns:a16="http://schemas.microsoft.com/office/drawing/2014/main" id="{F2768D15-E35C-7744-4661-DD9FD01D5B1A}"/>
+              </a:ext>
+            </a:extLst>
+          </p:cNvPr>
+          <p:cNvPicPr>
+            <a:picLocks noChangeAspect="1"/>
+          </p:cNvPicPr>
+          <p:nvPr userDrawn="1"/>
+        </p:nvPicPr>
+        <p:blipFill>
+          <a:blip r:embed="rId4">
+            <a:extLst>
+              <a:ext uri="{28A0092B-C50C-407E-A947-70E740481C1C}">
+                <a14:useLocalDpi xmlns:a14="http://schemas.microsoft.com/office/drawing/2010/main" val="0"/>
+              </a:ext>
+            </a:extLst>
+          </a:blip>
+          <a:stretch>
+            <a:fillRect/>
+          </a:stretch>
+        </p:blipFill>
+        <p:spPr>
+          <a:xfrm>
+            <a:off x="5364336" y="0"/>
+            <a:ext cx="1837501" cy="360000"/>
+          </a:xfrm>
+          <a:prstGeom prst="rect">
+            <a:avLst/>
+          </a:prstGeom>
+        </p:spPr>
+      </p:pic>
+      <p:sp>
+        <p:nvSpPr>
+          <p:cNvPr id="18" name="Title 17">
+            <a:extLst>
+              <a:ext uri="{FF2B5EF4-FFF2-40B4-BE49-F238E27FC236}">
+                <a16:creationId xmlns:a16="http://schemas.microsoft.com/office/drawing/2014/main" id="{B08E5CE5-F7C1-2D7E-5696-1F6E37A5BE5E}"/>
+              </a:ext>
+            </a:extLst>
+          </p:cNvPr>
+          <p:cNvSpPr>
+            <a:spLocks noGrp="1"/>
+          </p:cNvSpPr>
+          <p:nvPr>
+            <p:ph type="title"/>
+          </p:nvPr>
+        </p:nvSpPr>
+        <p:spPr>
+          <a:xfrm>
+            <a:off x="1" y="365123"/>
+            <a:ext cx="9153031" cy="720000"/>
+          </a:xfrm>
+          <a:prstGeom prst="rect">
+            <a:avLst/>
+          </a:prstGeom>
+        </p:spPr>
+        <p:txBody>
+          <a:bodyPr anchor="ctr"/>
+          <a:lstStyle>
+            <a:lvl1pPr algn="l" defTabSz="914400" rtl="0" eaLnBrk="1" latinLnBrk="0" hangingPunct="1">
+              <a:lnSpc>
+                <a:spcPct val="90000"/>
+              </a:lnSpc>
+              <a:spcBef>
+                <a:spcPct val="0"/>
+              </a:spcBef>
+              <a:buNone/>
+              <a:defRPr lang="en-US" sz="2400" b="1" kern="1200" dirty="0">
+                <a:solidFill>
+                  <a:srgbClr val="9E2435"/>
+                </a:solidFill>
+                <a:latin typeface="Times New Roman" panose="02020603050405020304" pitchFamily="18" charset="0"/>
+                <a:ea typeface="+mj-ea"/>
+                <a:cs typeface="Times New Roman" panose="02020603050405020304" pitchFamily="18" charset="0"/>
+              </a:defRPr>
+            </a:lvl1pPr>
+          </a:lstStyle>
+          <a:p>
+            <a:r>
+              <a:rPr lang="en-US" dirty="0"/>
+              <a:t>Click to edit Master title style</a:t>
+            </a:r>
+          </a:p>
+        </p:txBody>
+      </p:sp>
+      <p:sp>
+        <p:nvSpPr>
+          <p:cNvPr id="16" name="Text Placeholder 19">
+            <a:extLst>
+              <a:ext uri="{FF2B5EF4-FFF2-40B4-BE49-F238E27FC236}">
+                <a16:creationId xmlns:a16="http://schemas.microsoft.com/office/drawing/2014/main" id="{B666C9C0-B442-3A92-B330-E371CE9C6F24}"/>
+              </a:ext>
+            </a:extLst>
+          </p:cNvPr>
+          <p:cNvSpPr>
+            <a:spLocks noGrp="1"/>
+          </p:cNvSpPr>
+          <p:nvPr>
+            <p:ph type="body" sz="quarter" idx="17"/>
+          </p:nvPr>
+        </p:nvSpPr>
+        <p:spPr>
+          <a:xfrm>
+            <a:off x="3427000" y="1283671"/>
+            <a:ext cx="5465000" cy="4691789"/>
+          </a:xfrm>
+          <a:prstGeom prst="rect">
+            <a:avLst/>
+          </a:prstGeom>
+        </p:spPr>
+        <p:txBody>
+          <a:bodyPr/>
+          <a:lstStyle>
+            <a:lvl1pPr>
+              <a:lnSpc>
+                <a:spcPct val="100000"/>
+              </a:lnSpc>
+              <a:defRPr sz="2000">
+                <a:latin typeface="Times New Roman" panose="02020603050405020304" pitchFamily="18" charset="0"/>
+                <a:cs typeface="Times New Roman" panose="02020603050405020304" pitchFamily="18" charset="0"/>
+              </a:defRPr>
+            </a:lvl1pPr>
+            <a:lvl2pPr marL="457200" indent="0">
+              <a:lnSpc>
+                <a:spcPct val="100000"/>
+              </a:lnSpc>
+              <a:buFont typeface="Wingdings" panose="05000000000000000000" pitchFamily="2" charset="2"/>
+              <a:buNone/>
+              <a:defRPr sz="1800">
+                <a:latin typeface="Times New Roman" panose="02020603050405020304" pitchFamily="18" charset="0"/>
+                <a:cs typeface="Times New Roman" panose="02020603050405020304" pitchFamily="18" charset="0"/>
+              </a:defRPr>
+            </a:lvl2pPr>
+            <a:lvl3pPr>
+              <a:defRPr sz="2000">
+                <a:latin typeface="Times New Roman" panose="02020603050405020304" pitchFamily="18" charset="0"/>
+                <a:cs typeface="Times New Roman" panose="02020603050405020304" pitchFamily="18" charset="0"/>
+              </a:defRPr>
+            </a:lvl3pPr>
+            <a:lvl4pPr>
+              <a:defRPr sz="2000">
+                <a:latin typeface="Times New Roman" panose="02020603050405020304" pitchFamily="18" charset="0"/>
+                <a:cs typeface="Times New Roman" panose="02020603050405020304" pitchFamily="18" charset="0"/>
+              </a:defRPr>
+            </a:lvl4pPr>
+            <a:lvl5pPr>
+              <a:defRPr sz="2000">
+                <a:latin typeface="Times New Roman" panose="02020603050405020304" pitchFamily="18" charset="0"/>
+                <a:cs typeface="Times New Roman" panose="02020603050405020304" pitchFamily="18" charset="0"/>
+              </a:defRPr>
+            </a:lvl5pPr>
+          </a:lstStyle>
+          <a:p>
+            <a:pPr lvl="0"/>
+            <a:r>
+              <a:rPr lang="en-US" dirty="0"/>
+              <a:t>Click to edit Master text styles</a:t>
+            </a:r>
+          </a:p>
+          <a:p>
+            <a:pPr marL="685800" marR="0" lvl="1" indent="-228600" algn="l" defTabSz="914400" rtl="0" eaLnBrk="1" fontAlgn="auto" latinLnBrk="0" hangingPunct="1">
+              <a:lnSpc>
+                <a:spcPct val="90000"/>
+              </a:lnSpc>
+              <a:spcBef>
+                <a:spcPts val="500"/>
+              </a:spcBef>
+              <a:spcAft>
+                <a:spcPts val="0"/>
+              </a:spcAft>
+              <a:buClrTx/>
+              <a:buSzTx/>
+              <a:buFont typeface="Wingdings" panose="05000000000000000000" pitchFamily="2" charset="2"/>
+              <a:buChar char="§"/>
+              <a:tabLst/>
+              <a:defRPr/>
+            </a:pPr>
+            <a:r>
+              <a:rPr lang="en-US" dirty="0"/>
+              <a:t>Click to edit Master text styles</a:t>
+            </a:r>
+          </a:p>
         </p:txBody>
       </p:sp>
       <p:sp>
@@ -2592,7 +2679,7 @@
         </p:nvSpPr>
         <p:spPr>
           <a:xfrm>
-            <a:off x="0" y="6492875"/>
+            <a:off x="0" y="6492877"/>
             <a:ext cx="7086600" cy="365125"/>
           </a:xfrm>
           <a:prstGeom prst="rect">
@@ -2670,50 +2757,59 @@
         <p:txBody>
           <a:bodyPr/>
           <a:lstStyle>
-            <a:lvl1pPr marL="0" indent="0">
-              <a:buNone/>
+            <a:lvl1pPr marL="457200" indent="-457200">
+              <a:buFont typeface="Arial" panose="020B0604020202020204" pitchFamily="34" charset="0"/>
+              <a:buChar char="•"/>
+              <a:defRPr lang="en-US" sz="2000" kern="1200" dirty="0" smtClean="0">
+                <a:solidFill>
+                  <a:schemeClr val="tx1"/>
+                </a:solidFill>
+                <a:latin typeface="Times New Roman" panose="02020603050405020304" pitchFamily="18" charset="0"/>
+                <a:ea typeface="+mn-ea"/>
+                <a:cs typeface="Times New Roman" panose="02020603050405020304" pitchFamily="18" charset="0"/>
+              </a:defRPr>
+            </a:lvl1pPr>
+            <a:lvl2pPr>
+              <a:defRPr lang="en-US" sz="1800" kern="1200" dirty="0" smtClean="0">
+                <a:solidFill>
+                  <a:schemeClr val="tx1"/>
+                </a:solidFill>
+                <a:latin typeface="Times New Roman" panose="02020603050405020304" pitchFamily="18" charset="0"/>
+                <a:ea typeface="+mn-ea"/>
+                <a:cs typeface="Times New Roman" panose="02020603050405020304" pitchFamily="18" charset="0"/>
+              </a:defRPr>
+            </a:lvl2pPr>
+          </a:lstStyle>
+          <a:p>
+            <a:pPr lvl="0"/>
+            <a:r>
+              <a:rPr lang="en-US" dirty="0"/>
+              <a:t>Click to edit Master text styles</a:t>
+            </a:r>
+          </a:p>
+          <a:p>
+            <a:pPr marL="685800" marR="0" lvl="1" indent="-228600" algn="l" defTabSz="914400" rtl="0" eaLnBrk="1" fontAlgn="auto" latinLnBrk="0" hangingPunct="1">
+              <a:lnSpc>
+                <a:spcPct val="90000"/>
+              </a:lnSpc>
+              <a:spcBef>
+                <a:spcPts val="500"/>
+              </a:spcBef>
+              <a:spcAft>
+                <a:spcPts val="0"/>
+              </a:spcAft>
+              <a:buClrTx/>
+              <a:buSzTx/>
+              <a:buFont typeface="Wingdings" panose="05000000000000000000" pitchFamily="2" charset="2"/>
+              <a:buChar char="§"/>
+              <a:tabLst/>
               <a:defRPr/>
-            </a:lvl1pPr>
-          </a:lstStyle>
-          <a:p>
-            <a:pPr lvl="0"/>
-            <a:endParaRPr lang="en-US" dirty="0"/>
-          </a:p>
-        </p:txBody>
-      </p:sp>
-      <p:sp>
-        <p:nvSpPr>
-          <p:cNvPr id="17" name="Content Placeholder 8">
-            <a:extLst>
-              <a:ext uri="{FF2B5EF4-FFF2-40B4-BE49-F238E27FC236}">
-                <a16:creationId xmlns:a16="http://schemas.microsoft.com/office/drawing/2014/main" id="{853330B5-0377-681F-AFB0-5645FBA95F2B}"/>
-              </a:ext>
-            </a:extLst>
-          </p:cNvPr>
-          <p:cNvSpPr>
-            <a:spLocks noGrp="1"/>
-          </p:cNvSpPr>
-          <p:nvPr>
-            <p:ph sz="quarter" idx="19"/>
-          </p:nvPr>
-        </p:nvSpPr>
-        <p:spPr>
-          <a:xfrm>
-            <a:off x="252000" y="3815458"/>
-            <a:ext cx="2880000" cy="2160000"/>
-          </a:xfrm>
-          <a:prstGeom prst="rect">
-            <a:avLst/>
-          </a:prstGeom>
-        </p:spPr>
-        <p:txBody>
-          <a:bodyPr/>
-          <a:lstStyle>
-            <a:lvl1pPr marL="0" indent="0">
-              <a:buNone/>
-              <a:defRPr/>
-            </a:lvl1pPr>
-          </a:lstStyle>
+            </a:pPr>
+            <a:r>
+              <a:rPr lang="en-US" dirty="0"/>
+              <a:t>Click to edit Master text styles</a:t>
+            </a:r>
+          </a:p>
           <a:p>
             <a:pPr lvl="0"/>
             <a:endParaRPr lang="en-US" dirty="0"/>
@@ -2723,7 +2819,7 @@
     </p:spTree>
     <p:extLst>
       <p:ext uri="{BB962C8B-B14F-4D97-AF65-F5344CB8AC3E}">
-        <p14:creationId xmlns:p14="http://schemas.microsoft.com/office/powerpoint/2010/main" val="490523019"/>
+        <p14:creationId xmlns:p14="http://schemas.microsoft.com/office/powerpoint/2010/main" val="3809718155"/>
       </p:ext>
     </p:extLst>
   </p:cSld>
@@ -2750,48 +2846,12 @@
           <a:chExt cx="0" cy="0"/>
         </a:xfrm>
       </p:grpSpPr>
-      <p:pic>
-        <p:nvPicPr>
-          <p:cNvPr id="10" name="Picture 9" descr="A black background with white text&#10;&#10;AI-generated content may be incorrect.">
-            <a:extLst>
-              <a:ext uri="{FF2B5EF4-FFF2-40B4-BE49-F238E27FC236}">
-                <a16:creationId xmlns:a16="http://schemas.microsoft.com/office/drawing/2014/main" id="{53CC45D1-3859-8CB3-6169-9830FF8591E7}"/>
-              </a:ext>
-            </a:extLst>
-          </p:cNvPr>
-          <p:cNvPicPr>
-            <a:picLocks noChangeAspect="1"/>
-          </p:cNvPicPr>
-          <p:nvPr userDrawn="1"/>
-        </p:nvPicPr>
-        <p:blipFill>
-          <a:blip r:embed="rId2">
-            <a:extLst>
-              <a:ext uri="{28A0092B-C50C-407E-A947-70E740481C1C}">
-                <a14:useLocalDpi xmlns:a14="http://schemas.microsoft.com/office/drawing/2010/main" val="0"/>
-              </a:ext>
-            </a:extLst>
-          </a:blip>
-          <a:stretch>
-            <a:fillRect/>
-          </a:stretch>
-        </p:blipFill>
-        <p:spPr>
-          <a:xfrm>
-            <a:off x="7303436" y="0"/>
-            <a:ext cx="1840564" cy="360000"/>
-          </a:xfrm>
-          <a:prstGeom prst="rect">
-            <a:avLst/>
-          </a:prstGeom>
-        </p:spPr>
-      </p:pic>
       <p:sp>
         <p:nvSpPr>
-          <p:cNvPr id="13" name="Slide Number Placeholder 5">
-            <a:extLst>
-              <a:ext uri="{FF2B5EF4-FFF2-40B4-BE49-F238E27FC236}">
-                <a16:creationId xmlns:a16="http://schemas.microsoft.com/office/drawing/2014/main" id="{E953911D-A4CF-03AD-50F6-B840017DF747}"/>
+          <p:cNvPr id="4" name="Content Placeholder 8">
+            <a:extLst>
+              <a:ext uri="{FF2B5EF4-FFF2-40B4-BE49-F238E27FC236}">
+                <a16:creationId xmlns:a16="http://schemas.microsoft.com/office/drawing/2014/main" id="{20BD2953-AC7D-E99F-A683-FB61C58DAF72}"/>
               </a:ext>
             </a:extLst>
           </p:cNvPr>
@@ -2799,13 +2859,13 @@
             <a:spLocks noGrp="1"/>
           </p:cNvSpPr>
           <p:nvPr>
-            <p:ph type="sldNum" sz="quarter" idx="4"/>
+            <p:ph sz="quarter" idx="23"/>
           </p:nvPr>
         </p:nvSpPr>
         <p:spPr>
           <a:xfrm>
-            <a:off x="7086600" y="6492875"/>
-            <a:ext cx="2057400" cy="365125"/>
+            <a:off x="3427000" y="3815458"/>
+            <a:ext cx="2880000" cy="2160000"/>
           </a:xfrm>
           <a:prstGeom prst="rect">
             <a:avLst/>
@@ -2814,214 +2874,28 @@
         <p:txBody>
           <a:bodyPr/>
           <a:lstStyle>
-            <a:lvl1pPr algn="r">
-              <a:defRPr>
-                <a:latin typeface="Times New Roman" panose="02020603050405020304" pitchFamily="18" charset="0"/>
+            <a:lvl1pPr marL="342900" indent="-342900">
+              <a:buFont typeface="Arial" panose="020B0604020202020204" pitchFamily="34" charset="0"/>
+              <a:buChar char="•"/>
+              <a:defRPr lang="en-US" sz="2000" kern="1200" dirty="0" smtClean="0">
+                <a:solidFill>
+                  <a:schemeClr val="tx1"/>
+                </a:solidFill>
+                <a:latin typeface="Times New Roman" panose="02020603050405020304" pitchFamily="18" charset="0"/>
+                <a:ea typeface="+mn-ea"/>
                 <a:cs typeface="Times New Roman" panose="02020603050405020304" pitchFamily="18" charset="0"/>
               </a:defRPr>
             </a:lvl1pPr>
-          </a:lstStyle>
-          <a:p>
-            <a:fld id="{0BB20505-AD5B-487A-9113-4A5752A29EBB}" type="slidenum">
-              <a:rPr lang="en-GB" smtClean="0"/>
-              <a:pPr/>
-              <a:t>‹#›</a:t>
-            </a:fld>
-            <a:endParaRPr lang="en-GB" dirty="0"/>
-          </a:p>
-        </p:txBody>
-      </p:sp>
-      <p:pic>
-        <p:nvPicPr>
-          <p:cNvPr id="14" name="Picture 13" descr="ppt template14.jpg">
-            <a:extLst>
-              <a:ext uri="{FF2B5EF4-FFF2-40B4-BE49-F238E27FC236}">
-                <a16:creationId xmlns:a16="http://schemas.microsoft.com/office/drawing/2014/main" id="{EA64CD26-E351-DBCA-1ECD-A9EECE397BEE}"/>
-              </a:ext>
-            </a:extLst>
-          </p:cNvPr>
-          <p:cNvPicPr>
-            <a:picLocks noChangeAspect="1"/>
-          </p:cNvPicPr>
-          <p:nvPr userDrawn="1"/>
-        </p:nvPicPr>
-        <p:blipFill rotWithShape="1">
-          <a:blip r:embed="rId3">
-            <a:extLst>
-              <a:ext uri="{28A0092B-C50C-407E-A947-70E740481C1C}">
-                <a14:useLocalDpi xmlns:a14="http://schemas.microsoft.com/office/drawing/2010/main" val="0"/>
-              </a:ext>
-            </a:extLst>
-          </a:blip>
-          <a:srcRect l="4801" r="33333" b="94598"/>
-          <a:stretch/>
-        </p:blipFill>
-        <p:spPr>
-          <a:xfrm>
-            <a:off x="-9031" y="0"/>
-            <a:ext cx="5400000" cy="353694"/>
-          </a:xfrm>
-          <a:prstGeom prst="rect">
-            <a:avLst/>
-          </a:prstGeom>
-        </p:spPr>
-      </p:pic>
-      <p:pic>
-        <p:nvPicPr>
-          <p:cNvPr id="15" name="Picture 14" descr="A black background with blue text&#10;&#10;Description automatically generated">
-            <a:extLst>
-              <a:ext uri="{FF2B5EF4-FFF2-40B4-BE49-F238E27FC236}">
-                <a16:creationId xmlns:a16="http://schemas.microsoft.com/office/drawing/2014/main" id="{F2768D15-E35C-7744-4661-DD9FD01D5B1A}"/>
-              </a:ext>
-            </a:extLst>
-          </p:cNvPr>
-          <p:cNvPicPr>
-            <a:picLocks noChangeAspect="1"/>
-          </p:cNvPicPr>
-          <p:nvPr userDrawn="1"/>
-        </p:nvPicPr>
-        <p:blipFill>
-          <a:blip r:embed="rId4">
-            <a:extLst>
-              <a:ext uri="{28A0092B-C50C-407E-A947-70E740481C1C}">
-                <a14:useLocalDpi xmlns:a14="http://schemas.microsoft.com/office/drawing/2010/main" val="0"/>
-              </a:ext>
-            </a:extLst>
-          </a:blip>
-          <a:stretch>
-            <a:fillRect/>
-          </a:stretch>
-        </p:blipFill>
-        <p:spPr>
-          <a:xfrm>
-            <a:off x="5364335" y="0"/>
-            <a:ext cx="1837501" cy="360000"/>
-          </a:xfrm>
-          <a:prstGeom prst="rect">
-            <a:avLst/>
-          </a:prstGeom>
-        </p:spPr>
-      </p:pic>
-      <p:sp>
-        <p:nvSpPr>
-          <p:cNvPr id="18" name="Title 17">
-            <a:extLst>
-              <a:ext uri="{FF2B5EF4-FFF2-40B4-BE49-F238E27FC236}">
-                <a16:creationId xmlns:a16="http://schemas.microsoft.com/office/drawing/2014/main" id="{B08E5CE5-F7C1-2D7E-5696-1F6E37A5BE5E}"/>
-              </a:ext>
-            </a:extLst>
-          </p:cNvPr>
-          <p:cNvSpPr>
-            <a:spLocks noGrp="1"/>
-          </p:cNvSpPr>
-          <p:nvPr>
-            <p:ph type="title"/>
-          </p:nvPr>
-        </p:nvSpPr>
-        <p:spPr>
-          <a:xfrm>
-            <a:off x="0" y="365123"/>
-            <a:ext cx="9153031" cy="720000"/>
-          </a:xfrm>
-          <a:prstGeom prst="rect">
-            <a:avLst/>
-          </a:prstGeom>
-        </p:spPr>
-        <p:txBody>
-          <a:bodyPr anchor="ctr"/>
-          <a:lstStyle>
-            <a:lvl1pPr algn="l" defTabSz="914400" rtl="0" eaLnBrk="1" latinLnBrk="0" hangingPunct="1">
-              <a:lnSpc>
-                <a:spcPct val="90000"/>
-              </a:lnSpc>
-              <a:spcBef>
-                <a:spcPct val="0"/>
-              </a:spcBef>
-              <a:buNone/>
-              <a:defRPr lang="en-US" sz="2400" b="1" kern="1200" dirty="0">
+            <a:lvl2pPr>
+              <a:defRPr lang="en-US" sz="1800" kern="1200" dirty="0" smtClean="0">
                 <a:solidFill>
-                  <a:srgbClr val="9E2435"/>
+                  <a:schemeClr val="tx1"/>
                 </a:solidFill>
                 <a:latin typeface="Times New Roman" panose="02020603050405020304" pitchFamily="18" charset="0"/>
-                <a:ea typeface="+mj-ea"/>
-                <a:cs typeface="Times New Roman" panose="02020603050405020304" pitchFamily="18" charset="0"/>
-              </a:defRPr>
-            </a:lvl1pPr>
-          </a:lstStyle>
-          <a:p>
-            <a:r>
-              <a:rPr lang="en-US" dirty="0"/>
-              <a:t>Click to edit Master title style</a:t>
-            </a:r>
-          </a:p>
-        </p:txBody>
-      </p:sp>
-      <p:sp>
-        <p:nvSpPr>
-          <p:cNvPr id="9" name="Text Placeholder 19">
-            <a:extLst>
-              <a:ext uri="{FF2B5EF4-FFF2-40B4-BE49-F238E27FC236}">
-                <a16:creationId xmlns:a16="http://schemas.microsoft.com/office/drawing/2014/main" id="{C8FDB793-B947-0CA2-D826-D5AA036C85D9}"/>
-              </a:ext>
-            </a:extLst>
-          </p:cNvPr>
-          <p:cNvSpPr>
-            <a:spLocks noGrp="1"/>
-          </p:cNvSpPr>
-          <p:nvPr>
-            <p:ph type="body" sz="quarter" idx="14"/>
-          </p:nvPr>
-        </p:nvSpPr>
-        <p:spPr>
-          <a:xfrm>
-            <a:off x="6602000" y="1283669"/>
-            <a:ext cx="2290000" cy="4691790"/>
-          </a:xfrm>
-          <a:prstGeom prst="rect">
-            <a:avLst/>
-          </a:prstGeom>
-        </p:spPr>
-        <p:txBody>
-          <a:bodyPr/>
-          <a:lstStyle>
-            <a:lvl1pPr>
-              <a:lnSpc>
-                <a:spcPct val="100000"/>
-              </a:lnSpc>
-              <a:defRPr sz="2000">
-                <a:latin typeface="Times New Roman" panose="02020603050405020304" pitchFamily="18" charset="0"/>
-                <a:cs typeface="Times New Roman" panose="02020603050405020304" pitchFamily="18" charset="0"/>
-              </a:defRPr>
-            </a:lvl1pPr>
-            <a:lvl2pPr marL="685800" indent="-228600">
-              <a:lnSpc>
-                <a:spcPct val="100000"/>
-              </a:lnSpc>
-              <a:buFont typeface="Wingdings" panose="05000000000000000000" pitchFamily="2" charset="2"/>
-              <a:buChar char="§"/>
-              <a:defRPr sz="1800">
-                <a:latin typeface="Times New Roman" panose="02020603050405020304" pitchFamily="18" charset="0"/>
+                <a:ea typeface="+mn-ea"/>
                 <a:cs typeface="Times New Roman" panose="02020603050405020304" pitchFamily="18" charset="0"/>
               </a:defRPr>
             </a:lvl2pPr>
-            <a:lvl3pPr>
-              <a:defRPr sz="2000">
-                <a:latin typeface="Times New Roman" panose="02020603050405020304" pitchFamily="18" charset="0"/>
-                <a:cs typeface="Times New Roman" panose="02020603050405020304" pitchFamily="18" charset="0"/>
-              </a:defRPr>
-            </a:lvl3pPr>
-            <a:lvl4pPr>
-              <a:defRPr sz="2000">
-                <a:latin typeface="Times New Roman" panose="02020603050405020304" pitchFamily="18" charset="0"/>
-                <a:cs typeface="Times New Roman" panose="02020603050405020304" pitchFamily="18" charset="0"/>
-              </a:defRPr>
-            </a:lvl4pPr>
-            <a:lvl5pPr>
-              <a:defRPr sz="2000">
-                <a:latin typeface="Times New Roman" panose="02020603050405020304" pitchFamily="18" charset="0"/>
-                <a:cs typeface="Times New Roman" panose="02020603050405020304" pitchFamily="18" charset="0"/>
-              </a:defRPr>
-            </a:lvl5pPr>
           </a:lstStyle>
           <a:p>
             <a:pPr lvl="0"/>
@@ -3054,6 +2928,402 @@
             </a:r>
           </a:p>
           <a:p>
+            <a:pPr lvl="0"/>
+            <a:endParaRPr lang="en-US" dirty="0"/>
+          </a:p>
+        </p:txBody>
+      </p:sp>
+      <p:sp>
+        <p:nvSpPr>
+          <p:cNvPr id="5" name="Content Placeholder 8">
+            <a:extLst>
+              <a:ext uri="{FF2B5EF4-FFF2-40B4-BE49-F238E27FC236}">
+                <a16:creationId xmlns:a16="http://schemas.microsoft.com/office/drawing/2014/main" id="{05BD64B5-C6AE-22F9-E088-DB42B150F518}"/>
+              </a:ext>
+            </a:extLst>
+          </p:cNvPr>
+          <p:cNvSpPr>
+            <a:spLocks noGrp="1"/>
+          </p:cNvSpPr>
+          <p:nvPr>
+            <p:ph sz="quarter" idx="24"/>
+          </p:nvPr>
+        </p:nvSpPr>
+        <p:spPr>
+          <a:xfrm>
+            <a:off x="3427000" y="1283669"/>
+            <a:ext cx="2880000" cy="2160000"/>
+          </a:xfrm>
+          <a:prstGeom prst="rect">
+            <a:avLst/>
+          </a:prstGeom>
+        </p:spPr>
+        <p:txBody>
+          <a:bodyPr/>
+          <a:lstStyle>
+            <a:lvl1pPr marL="342900" indent="-342900">
+              <a:buFont typeface="Arial" panose="020B0604020202020204" pitchFamily="34" charset="0"/>
+              <a:buChar char="•"/>
+              <a:defRPr lang="en-US" sz="2000" kern="1200" dirty="0" smtClean="0">
+                <a:solidFill>
+                  <a:schemeClr val="tx1"/>
+                </a:solidFill>
+                <a:latin typeface="Times New Roman" panose="02020603050405020304" pitchFamily="18" charset="0"/>
+                <a:ea typeface="+mn-ea"/>
+                <a:cs typeface="Times New Roman" panose="02020603050405020304" pitchFamily="18" charset="0"/>
+              </a:defRPr>
+            </a:lvl1pPr>
+            <a:lvl2pPr>
+              <a:defRPr lang="en-US" sz="1800" kern="1200" dirty="0" smtClean="0">
+                <a:solidFill>
+                  <a:schemeClr val="tx1"/>
+                </a:solidFill>
+                <a:latin typeface="Times New Roman" panose="02020603050405020304" pitchFamily="18" charset="0"/>
+                <a:ea typeface="+mn-ea"/>
+                <a:cs typeface="Times New Roman" panose="02020603050405020304" pitchFamily="18" charset="0"/>
+              </a:defRPr>
+            </a:lvl2pPr>
+          </a:lstStyle>
+          <a:p>
+            <a:pPr lvl="0"/>
+            <a:r>
+              <a:rPr lang="en-US" dirty="0"/>
+              <a:t>Click to edit Master text styles</a:t>
+            </a:r>
+          </a:p>
+          <a:p>
+            <a:pPr marL="685800" marR="0" lvl="1" indent="-228600" algn="l" defTabSz="914400" rtl="0" eaLnBrk="1" fontAlgn="auto" latinLnBrk="0" hangingPunct="1">
+              <a:lnSpc>
+                <a:spcPct val="90000"/>
+              </a:lnSpc>
+              <a:spcBef>
+                <a:spcPts val="500"/>
+              </a:spcBef>
+              <a:spcAft>
+                <a:spcPts val="0"/>
+              </a:spcAft>
+              <a:buClrTx/>
+              <a:buSzTx/>
+              <a:buFont typeface="Wingdings" panose="05000000000000000000" pitchFamily="2" charset="2"/>
+              <a:buChar char="§"/>
+              <a:tabLst/>
+              <a:defRPr/>
+            </a:pPr>
+            <a:r>
+              <a:rPr lang="en-US" dirty="0"/>
+              <a:t>Click to edit Master text styles</a:t>
+            </a:r>
+          </a:p>
+          <a:p>
+            <a:pPr lvl="0"/>
+            <a:endParaRPr lang="en-US" dirty="0"/>
+          </a:p>
+        </p:txBody>
+      </p:sp>
+      <p:pic>
+        <p:nvPicPr>
+          <p:cNvPr id="10" name="Picture 9" descr="A black background with white text&#10;&#10;AI-generated content may be incorrect.">
+            <a:extLst>
+              <a:ext uri="{FF2B5EF4-FFF2-40B4-BE49-F238E27FC236}">
+                <a16:creationId xmlns:a16="http://schemas.microsoft.com/office/drawing/2014/main" id="{53CC45D1-3859-8CB3-6169-9830FF8591E7}"/>
+              </a:ext>
+            </a:extLst>
+          </p:cNvPr>
+          <p:cNvPicPr>
+            <a:picLocks noChangeAspect="1"/>
+          </p:cNvPicPr>
+          <p:nvPr userDrawn="1"/>
+        </p:nvPicPr>
+        <p:blipFill>
+          <a:blip r:embed="rId2">
+            <a:extLst>
+              <a:ext uri="{28A0092B-C50C-407E-A947-70E740481C1C}">
+                <a14:useLocalDpi xmlns:a14="http://schemas.microsoft.com/office/drawing/2010/main" val="0"/>
+              </a:ext>
+            </a:extLst>
+          </a:blip>
+          <a:stretch>
+            <a:fillRect/>
+          </a:stretch>
+        </p:blipFill>
+        <p:spPr>
+          <a:xfrm>
+            <a:off x="7303437" y="0"/>
+            <a:ext cx="1840564" cy="360000"/>
+          </a:xfrm>
+          <a:prstGeom prst="rect">
+            <a:avLst/>
+          </a:prstGeom>
+        </p:spPr>
+      </p:pic>
+      <p:sp>
+        <p:nvSpPr>
+          <p:cNvPr id="13" name="Slide Number Placeholder 5">
+            <a:extLst>
+              <a:ext uri="{FF2B5EF4-FFF2-40B4-BE49-F238E27FC236}">
+                <a16:creationId xmlns:a16="http://schemas.microsoft.com/office/drawing/2014/main" id="{E953911D-A4CF-03AD-50F6-B840017DF747}"/>
+              </a:ext>
+            </a:extLst>
+          </p:cNvPr>
+          <p:cNvSpPr>
+            <a:spLocks noGrp="1"/>
+          </p:cNvSpPr>
+          <p:nvPr>
+            <p:ph type="sldNum" sz="quarter" idx="4"/>
+          </p:nvPr>
+        </p:nvSpPr>
+        <p:spPr>
+          <a:xfrm>
+            <a:off x="7086600" y="6492877"/>
+            <a:ext cx="2057400" cy="365125"/>
+          </a:xfrm>
+          <a:prstGeom prst="rect">
+            <a:avLst/>
+          </a:prstGeom>
+        </p:spPr>
+        <p:txBody>
+          <a:bodyPr/>
+          <a:lstStyle>
+            <a:lvl1pPr algn="r">
+              <a:defRPr>
+                <a:latin typeface="Times New Roman" panose="02020603050405020304" pitchFamily="18" charset="0"/>
+                <a:cs typeface="Times New Roman" panose="02020603050405020304" pitchFamily="18" charset="0"/>
+              </a:defRPr>
+            </a:lvl1pPr>
+          </a:lstStyle>
+          <a:p>
+            <a:fld id="{0BB20505-AD5B-487A-9113-4A5752A29EBB}" type="slidenum">
+              <a:rPr lang="en-GB" smtClean="0"/>
+              <a:pPr/>
+              <a:t>‹#›</a:t>
+            </a:fld>
+            <a:endParaRPr lang="en-GB" dirty="0"/>
+          </a:p>
+        </p:txBody>
+      </p:sp>
+      <p:pic>
+        <p:nvPicPr>
+          <p:cNvPr id="14" name="Picture 13" descr="ppt template14.jpg">
+            <a:extLst>
+              <a:ext uri="{FF2B5EF4-FFF2-40B4-BE49-F238E27FC236}">
+                <a16:creationId xmlns:a16="http://schemas.microsoft.com/office/drawing/2014/main" id="{EA64CD26-E351-DBCA-1ECD-A9EECE397BEE}"/>
+              </a:ext>
+            </a:extLst>
+          </p:cNvPr>
+          <p:cNvPicPr>
+            <a:picLocks noChangeAspect="1"/>
+          </p:cNvPicPr>
+          <p:nvPr userDrawn="1"/>
+        </p:nvPicPr>
+        <p:blipFill rotWithShape="1">
+          <a:blip r:embed="rId3">
+            <a:extLst>
+              <a:ext uri="{28A0092B-C50C-407E-A947-70E740481C1C}">
+                <a14:useLocalDpi xmlns:a14="http://schemas.microsoft.com/office/drawing/2010/main" val="0"/>
+              </a:ext>
+            </a:extLst>
+          </a:blip>
+          <a:srcRect l="4801" r="33333" b="94598"/>
+          <a:stretch/>
+        </p:blipFill>
+        <p:spPr>
+          <a:xfrm>
+            <a:off x="-9031" y="0"/>
+            <a:ext cx="5400000" cy="353694"/>
+          </a:xfrm>
+          <a:prstGeom prst="rect">
+            <a:avLst/>
+          </a:prstGeom>
+        </p:spPr>
+      </p:pic>
+      <p:pic>
+        <p:nvPicPr>
+          <p:cNvPr id="15" name="Picture 14" descr="A black background with blue text&#10;&#10;Description automatically generated">
+            <a:extLst>
+              <a:ext uri="{FF2B5EF4-FFF2-40B4-BE49-F238E27FC236}">
+                <a16:creationId xmlns:a16="http://schemas.microsoft.com/office/drawing/2014/main" id="{F2768D15-E35C-7744-4661-DD9FD01D5B1A}"/>
+              </a:ext>
+            </a:extLst>
+          </p:cNvPr>
+          <p:cNvPicPr>
+            <a:picLocks noChangeAspect="1"/>
+          </p:cNvPicPr>
+          <p:nvPr userDrawn="1"/>
+        </p:nvPicPr>
+        <p:blipFill>
+          <a:blip r:embed="rId4">
+            <a:extLst>
+              <a:ext uri="{28A0092B-C50C-407E-A947-70E740481C1C}">
+                <a14:useLocalDpi xmlns:a14="http://schemas.microsoft.com/office/drawing/2010/main" val="0"/>
+              </a:ext>
+            </a:extLst>
+          </a:blip>
+          <a:stretch>
+            <a:fillRect/>
+          </a:stretch>
+        </p:blipFill>
+        <p:spPr>
+          <a:xfrm>
+            <a:off x="5364336" y="0"/>
+            <a:ext cx="1837501" cy="360000"/>
+          </a:xfrm>
+          <a:prstGeom prst="rect">
+            <a:avLst/>
+          </a:prstGeom>
+        </p:spPr>
+      </p:pic>
+      <p:sp>
+        <p:nvSpPr>
+          <p:cNvPr id="18" name="Title 17">
+            <a:extLst>
+              <a:ext uri="{FF2B5EF4-FFF2-40B4-BE49-F238E27FC236}">
+                <a16:creationId xmlns:a16="http://schemas.microsoft.com/office/drawing/2014/main" id="{B08E5CE5-F7C1-2D7E-5696-1F6E37A5BE5E}"/>
+              </a:ext>
+            </a:extLst>
+          </p:cNvPr>
+          <p:cNvSpPr>
+            <a:spLocks noGrp="1"/>
+          </p:cNvSpPr>
+          <p:nvPr>
+            <p:ph type="title"/>
+          </p:nvPr>
+        </p:nvSpPr>
+        <p:spPr>
+          <a:xfrm>
+            <a:off x="1" y="365123"/>
+            <a:ext cx="9153031" cy="720000"/>
+          </a:xfrm>
+          <a:prstGeom prst="rect">
+            <a:avLst/>
+          </a:prstGeom>
+        </p:spPr>
+        <p:txBody>
+          <a:bodyPr anchor="ctr"/>
+          <a:lstStyle>
+            <a:lvl1pPr algn="l" defTabSz="914400" rtl="0" eaLnBrk="1" latinLnBrk="0" hangingPunct="1">
+              <a:lnSpc>
+                <a:spcPct val="90000"/>
+              </a:lnSpc>
+              <a:spcBef>
+                <a:spcPct val="0"/>
+              </a:spcBef>
+              <a:buNone/>
+              <a:defRPr lang="en-US" sz="2400" b="1" kern="1200" dirty="0">
+                <a:solidFill>
+                  <a:srgbClr val="9E2435"/>
+                </a:solidFill>
+                <a:latin typeface="Times New Roman" panose="02020603050405020304" pitchFamily="18" charset="0"/>
+                <a:ea typeface="+mj-ea"/>
+                <a:cs typeface="Times New Roman" panose="02020603050405020304" pitchFamily="18" charset="0"/>
+              </a:defRPr>
+            </a:lvl1pPr>
+          </a:lstStyle>
+          <a:p>
+            <a:r>
+              <a:rPr lang="en-US" dirty="0"/>
+              <a:t>Click to edit Master title style</a:t>
+            </a:r>
+          </a:p>
+        </p:txBody>
+      </p:sp>
+      <p:sp>
+        <p:nvSpPr>
+          <p:cNvPr id="9" name="Text Placeholder 19">
+            <a:extLst>
+              <a:ext uri="{FF2B5EF4-FFF2-40B4-BE49-F238E27FC236}">
+                <a16:creationId xmlns:a16="http://schemas.microsoft.com/office/drawing/2014/main" id="{C8FDB793-B947-0CA2-D826-D5AA036C85D9}"/>
+              </a:ext>
+            </a:extLst>
+          </p:cNvPr>
+          <p:cNvSpPr>
+            <a:spLocks noGrp="1"/>
+          </p:cNvSpPr>
+          <p:nvPr>
+            <p:ph type="body" sz="quarter" idx="14"/>
+          </p:nvPr>
+        </p:nvSpPr>
+        <p:spPr>
+          <a:xfrm>
+            <a:off x="6602001" y="1283669"/>
+            <a:ext cx="2290000" cy="4691790"/>
+          </a:xfrm>
+          <a:prstGeom prst="rect">
+            <a:avLst/>
+          </a:prstGeom>
+        </p:spPr>
+        <p:txBody>
+          <a:bodyPr/>
+          <a:lstStyle>
+            <a:lvl1pPr>
+              <a:lnSpc>
+                <a:spcPct val="100000"/>
+              </a:lnSpc>
+              <a:defRPr sz="2000">
+                <a:latin typeface="Times New Roman" panose="02020603050405020304" pitchFamily="18" charset="0"/>
+                <a:cs typeface="Times New Roman" panose="02020603050405020304" pitchFamily="18" charset="0"/>
+              </a:defRPr>
+            </a:lvl1pPr>
+            <a:lvl2pPr marL="685800" indent="-228600">
+              <a:lnSpc>
+                <a:spcPct val="100000"/>
+              </a:lnSpc>
+              <a:buFont typeface="Wingdings" panose="05000000000000000000" pitchFamily="2" charset="2"/>
+              <a:buChar char="§"/>
+              <a:defRPr sz="1800">
+                <a:latin typeface="Times New Roman" panose="02020603050405020304" pitchFamily="18" charset="0"/>
+                <a:cs typeface="Times New Roman" panose="02020603050405020304" pitchFamily="18" charset="0"/>
+              </a:defRPr>
+            </a:lvl2pPr>
+            <a:lvl3pPr>
+              <a:defRPr sz="2000">
+                <a:latin typeface="Times New Roman" panose="02020603050405020304" pitchFamily="18" charset="0"/>
+                <a:cs typeface="Times New Roman" panose="02020603050405020304" pitchFamily="18" charset="0"/>
+              </a:defRPr>
+            </a:lvl3pPr>
+            <a:lvl4pPr>
+              <a:defRPr sz="2000">
+                <a:latin typeface="Times New Roman" panose="02020603050405020304" pitchFamily="18" charset="0"/>
+                <a:cs typeface="Times New Roman" panose="02020603050405020304" pitchFamily="18" charset="0"/>
+              </a:defRPr>
+            </a:lvl4pPr>
+            <a:lvl5pPr>
+              <a:defRPr sz="2000">
+                <a:latin typeface="Times New Roman" panose="02020603050405020304" pitchFamily="18" charset="0"/>
+                <a:cs typeface="Times New Roman" panose="02020603050405020304" pitchFamily="18" charset="0"/>
+              </a:defRPr>
+            </a:lvl5pPr>
+          </a:lstStyle>
+          <a:p>
+            <a:pPr lvl="0"/>
+            <a:r>
+              <a:rPr lang="en-US" dirty="0"/>
+              <a:t>Click to edit Master text styles</a:t>
+            </a:r>
+          </a:p>
+          <a:p>
+            <a:pPr marL="685800" marR="0" lvl="1" indent="-228600" algn="l" defTabSz="914400" rtl="0" eaLnBrk="1" fontAlgn="auto" latinLnBrk="0" hangingPunct="1">
+              <a:lnSpc>
+                <a:spcPct val="90000"/>
+              </a:lnSpc>
+              <a:spcBef>
+                <a:spcPts val="500"/>
+              </a:spcBef>
+              <a:spcAft>
+                <a:spcPts val="0"/>
+              </a:spcAft>
+              <a:buClrTx/>
+              <a:buSzTx/>
+              <a:buFont typeface="Wingdings" panose="05000000000000000000" pitchFamily="2" charset="2"/>
+              <a:buChar char="§"/>
+              <a:tabLst/>
+              <a:defRPr/>
+            </a:pPr>
+            <a:r>
+              <a:rPr lang="en-US" dirty="0"/>
+              <a:t>Click to edit Master text styles</a:t>
+            </a:r>
+          </a:p>
+          <a:p>
             <a:pPr lvl="1"/>
             <a:endParaRPr lang="en-US" dirty="0"/>
           </a:p>
@@ -3077,7 +3347,7 @@
         </p:nvSpPr>
         <p:spPr>
           <a:xfrm>
-            <a:off x="0" y="6492875"/>
+            <a:off x="0" y="6492877"/>
             <a:ext cx="7086600" cy="365125"/>
           </a:xfrm>
           <a:prstGeom prst="rect">
@@ -3129,88 +3399,10 @@
       </p:sp>
       <p:sp>
         <p:nvSpPr>
-          <p:cNvPr id="24" name="Content Placeholder 8">
-            <a:extLst>
-              <a:ext uri="{FF2B5EF4-FFF2-40B4-BE49-F238E27FC236}">
-                <a16:creationId xmlns:a16="http://schemas.microsoft.com/office/drawing/2014/main" id="{8A267F55-A400-8A75-738F-E504DDC9CD38}"/>
-              </a:ext>
-            </a:extLst>
-          </p:cNvPr>
-          <p:cNvSpPr>
-            <a:spLocks noGrp="1"/>
-          </p:cNvSpPr>
-          <p:nvPr>
-            <p:ph sz="quarter" idx="20"/>
-          </p:nvPr>
-        </p:nvSpPr>
-        <p:spPr>
-          <a:xfrm>
-            <a:off x="3427000" y="1283669"/>
-            <a:ext cx="2880000" cy="2160000"/>
-          </a:xfrm>
-          <a:prstGeom prst="rect">
-            <a:avLst/>
-          </a:prstGeom>
-        </p:spPr>
-        <p:txBody>
-          <a:bodyPr/>
-          <a:lstStyle>
-            <a:lvl1pPr marL="0" indent="0">
-              <a:buNone/>
-              <a:defRPr/>
-            </a:lvl1pPr>
-          </a:lstStyle>
-          <a:p>
-            <a:pPr lvl="0"/>
-            <a:endParaRPr lang="en-US" dirty="0"/>
-          </a:p>
-        </p:txBody>
-      </p:sp>
-      <p:sp>
-        <p:nvSpPr>
-          <p:cNvPr id="25" name="Content Placeholder 8">
-            <a:extLst>
-              <a:ext uri="{FF2B5EF4-FFF2-40B4-BE49-F238E27FC236}">
-                <a16:creationId xmlns:a16="http://schemas.microsoft.com/office/drawing/2014/main" id="{BB0BFA62-E15D-81A1-978A-85BB72EC69F5}"/>
-              </a:ext>
-            </a:extLst>
-          </p:cNvPr>
-          <p:cNvSpPr>
-            <a:spLocks noGrp="1"/>
-          </p:cNvSpPr>
-          <p:nvPr>
-            <p:ph sz="quarter" idx="21"/>
-          </p:nvPr>
-        </p:nvSpPr>
-        <p:spPr>
-          <a:xfrm>
-            <a:off x="3427000" y="3815458"/>
-            <a:ext cx="2880000" cy="2160000"/>
-          </a:xfrm>
-          <a:prstGeom prst="rect">
-            <a:avLst/>
-          </a:prstGeom>
-        </p:spPr>
-        <p:txBody>
-          <a:bodyPr/>
-          <a:lstStyle>
-            <a:lvl1pPr marL="0" indent="0">
-              <a:buNone/>
-              <a:defRPr/>
-            </a:lvl1pPr>
-          </a:lstStyle>
-          <a:p>
-            <a:pPr lvl="0"/>
-            <a:endParaRPr lang="en-US" dirty="0"/>
-          </a:p>
-        </p:txBody>
-      </p:sp>
-      <p:sp>
-        <p:nvSpPr>
-          <p:cNvPr id="33" name="Content Placeholder 8">
-            <a:extLst>
-              <a:ext uri="{FF2B5EF4-FFF2-40B4-BE49-F238E27FC236}">
-                <a16:creationId xmlns:a16="http://schemas.microsoft.com/office/drawing/2014/main" id="{C77D2797-4B82-C918-3DDC-6235532EBD4B}"/>
+          <p:cNvPr id="2" name="Content Placeholder 8">
+            <a:extLst>
+              <a:ext uri="{FF2B5EF4-FFF2-40B4-BE49-F238E27FC236}">
+                <a16:creationId xmlns:a16="http://schemas.microsoft.com/office/drawing/2014/main" id="{C87882E0-0C65-8258-0B91-87945C54E9CA}"/>
               </a:ext>
             </a:extLst>
           </p:cNvPr>
@@ -3223,7 +3415,7 @@
         </p:nvSpPr>
         <p:spPr>
           <a:xfrm>
-            <a:off x="252000" y="1283669"/>
+            <a:off x="252000" y="3815458"/>
             <a:ext cx="2880000" cy="2160000"/>
           </a:xfrm>
           <a:prstGeom prst="rect">
@@ -3233,11 +3425,59 @@
         <p:txBody>
           <a:bodyPr/>
           <a:lstStyle>
-            <a:lvl1pPr marL="0" indent="0">
-              <a:buNone/>
+            <a:lvl1pPr marL="342900" indent="-342900">
+              <a:buFont typeface="Arial" panose="020B0604020202020204" pitchFamily="34" charset="0"/>
+              <a:buChar char="•"/>
+              <a:defRPr lang="en-US" sz="2000" kern="1200" dirty="0" smtClean="0">
+                <a:solidFill>
+                  <a:schemeClr val="tx1"/>
+                </a:solidFill>
+                <a:latin typeface="Times New Roman" panose="02020603050405020304" pitchFamily="18" charset="0"/>
+                <a:ea typeface="+mn-ea"/>
+                <a:cs typeface="Times New Roman" panose="02020603050405020304" pitchFamily="18" charset="0"/>
+              </a:defRPr>
+            </a:lvl1pPr>
+            <a:lvl2pPr>
+              <a:defRPr lang="en-US" sz="1800" kern="1200" dirty="0" smtClean="0">
+                <a:solidFill>
+                  <a:schemeClr val="tx1"/>
+                </a:solidFill>
+                <a:latin typeface="Times New Roman" panose="02020603050405020304" pitchFamily="18" charset="0"/>
+                <a:ea typeface="+mn-ea"/>
+                <a:cs typeface="Times New Roman" panose="02020603050405020304" pitchFamily="18" charset="0"/>
+              </a:defRPr>
+            </a:lvl2pPr>
+          </a:lstStyle>
+          <a:p>
+            <a:pPr lvl="0"/>
+            <a:r>
+              <a:rPr lang="en-US" dirty="0"/>
+              <a:t>Click to edit Master text styles</a:t>
+            </a:r>
+          </a:p>
+          <a:p>
+            <a:pPr marL="685800" marR="0" lvl="1" indent="-228600" algn="l" defTabSz="914400" rtl="0" eaLnBrk="1" fontAlgn="auto" latinLnBrk="0" hangingPunct="1">
+              <a:lnSpc>
+                <a:spcPct val="90000"/>
+              </a:lnSpc>
+              <a:spcBef>
+                <a:spcPts val="500"/>
+              </a:spcBef>
+              <a:spcAft>
+                <a:spcPts val="0"/>
+              </a:spcAft>
+              <a:buClrTx/>
+              <a:buSzTx/>
+              <a:buFont typeface="Wingdings" panose="05000000000000000000" pitchFamily="2" charset="2"/>
+              <a:buChar char="§"/>
+              <a:tabLst/>
               <a:defRPr/>
-            </a:lvl1pPr>
-          </a:lstStyle>
+            </a:pPr>
+            <a:r>
+              <a:rPr lang="en-US" dirty="0"/>
+              <a:t>Click to edit Master text styles</a:t>
+            </a:r>
+          </a:p>
           <a:p>
             <a:pPr lvl="0"/>
             <a:endParaRPr lang="en-US" dirty="0"/>
@@ -3246,10 +3486,10 @@
       </p:sp>
       <p:sp>
         <p:nvSpPr>
-          <p:cNvPr id="34" name="Content Placeholder 8">
-            <a:extLst>
-              <a:ext uri="{FF2B5EF4-FFF2-40B4-BE49-F238E27FC236}">
-                <a16:creationId xmlns:a16="http://schemas.microsoft.com/office/drawing/2014/main" id="{D1CFE340-04B7-BE2C-AAAA-D3C7590FC195}"/>
+          <p:cNvPr id="3" name="Content Placeholder 8">
+            <a:extLst>
+              <a:ext uri="{FF2B5EF4-FFF2-40B4-BE49-F238E27FC236}">
+                <a16:creationId xmlns:a16="http://schemas.microsoft.com/office/drawing/2014/main" id="{8072C911-7D0A-7882-81F1-BA1621FB0EBE}"/>
               </a:ext>
             </a:extLst>
           </p:cNvPr>
@@ -3257,12 +3497,12 @@
             <a:spLocks noGrp="1"/>
           </p:cNvSpPr>
           <p:nvPr>
-            <p:ph sz="quarter" idx="23"/>
+            <p:ph sz="quarter" idx="18"/>
           </p:nvPr>
         </p:nvSpPr>
         <p:spPr>
           <a:xfrm>
-            <a:off x="252000" y="3815458"/>
+            <a:off x="252000" y="1283669"/>
             <a:ext cx="2880000" cy="2160000"/>
           </a:xfrm>
           <a:prstGeom prst="rect">
@@ -3272,11 +3512,60 @@
         <p:txBody>
           <a:bodyPr/>
           <a:lstStyle>
-            <a:lvl1pPr marL="0" indent="0">
+            <a:lvl1pPr marL="342900" indent="-342900">
+              <a:buFont typeface="Arial" panose="020B0604020202020204" pitchFamily="34" charset="0"/>
+              <a:buChar char="•"/>
+              <a:defRPr lang="en-US" sz="2000" kern="1200" dirty="0" smtClean="0">
+                <a:solidFill>
+                  <a:schemeClr val="tx1"/>
+                </a:solidFill>
+                <a:latin typeface="Times New Roman" panose="02020603050405020304" pitchFamily="18" charset="0"/>
+                <a:ea typeface="+mn-ea"/>
+                <a:cs typeface="Times New Roman" panose="02020603050405020304" pitchFamily="18" charset="0"/>
+              </a:defRPr>
+            </a:lvl1pPr>
+            <a:lvl2pPr marL="457200" indent="0">
               <a:buNone/>
+              <a:defRPr lang="en-US" sz="1800" kern="1200" dirty="0" smtClean="0">
+                <a:solidFill>
+                  <a:schemeClr val="tx1"/>
+                </a:solidFill>
+                <a:latin typeface="Times New Roman" panose="02020603050405020304" pitchFamily="18" charset="0"/>
+                <a:ea typeface="+mn-ea"/>
+                <a:cs typeface="Times New Roman" panose="02020603050405020304" pitchFamily="18" charset="0"/>
+              </a:defRPr>
+            </a:lvl2pPr>
+          </a:lstStyle>
+          <a:p>
+            <a:pPr lvl="0"/>
+            <a:r>
+              <a:rPr lang="en-US" dirty="0"/>
+              <a:t>Click to edit Master text styles</a:t>
+            </a:r>
+          </a:p>
+          <a:p>
+            <a:pPr marL="685800" marR="0" lvl="1" indent="-228600" algn="l" defTabSz="914400" rtl="0" eaLnBrk="1" fontAlgn="auto" latinLnBrk="0" hangingPunct="1">
+              <a:lnSpc>
+                <a:spcPct val="90000"/>
+              </a:lnSpc>
+              <a:spcBef>
+                <a:spcPts val="500"/>
+              </a:spcBef>
+              <a:spcAft>
+                <a:spcPts val="0"/>
+              </a:spcAft>
+              <a:buClrTx/>
+              <a:buSzTx/>
+              <a:buFont typeface="Wingdings" panose="05000000000000000000" pitchFamily="2" charset="2"/>
+              <a:buChar char="§"/>
+              <a:tabLst/>
               <a:defRPr/>
-            </a:lvl1pPr>
-          </a:lstStyle>
+            </a:pPr>
+            <a:r>
+              <a:rPr lang="en-US" dirty="0"/>
+              <a:t>Click to edit Master text styles</a:t>
+            </a:r>
+          </a:p>
           <a:p>
             <a:pPr lvl="0"/>
             <a:endParaRPr lang="en-US" dirty="0"/>
@@ -3286,7 +3575,7 @@
     </p:spTree>
     <p:extLst>
       <p:ext uri="{BB962C8B-B14F-4D97-AF65-F5344CB8AC3E}">
-        <p14:creationId xmlns:p14="http://schemas.microsoft.com/office/powerpoint/2010/main" val="1533340309"/>
+        <p14:creationId xmlns:p14="http://schemas.microsoft.com/office/powerpoint/2010/main" val="3546017949"/>
       </p:ext>
     </p:extLst>
   </p:cSld>
@@ -3341,7 +3630,7 @@
         </p:blipFill>
         <p:spPr>
           <a:xfrm>
-            <a:off x="7303436" y="0"/>
+            <a:off x="7303437" y="0"/>
             <a:ext cx="1840564" cy="360000"/>
           </a:xfrm>
           <a:prstGeom prst="rect">
@@ -3367,7 +3656,7 @@
         </p:nvSpPr>
         <p:spPr>
           <a:xfrm>
-            <a:off x="7086600" y="6492875"/>
+            <a:off x="7086600" y="6492877"/>
             <a:ext cx="2057400" cy="365125"/>
           </a:xfrm>
           <a:prstGeom prst="rect">
@@ -3457,7 +3746,7 @@
         </p:blipFill>
         <p:spPr>
           <a:xfrm>
-            <a:off x="5364335" y="0"/>
+            <a:off x="5364336" y="0"/>
             <a:ext cx="1837501" cy="360000"/>
           </a:xfrm>
           <a:prstGeom prst="rect">
@@ -3483,7 +3772,7 @@
         </p:nvSpPr>
         <p:spPr>
           <a:xfrm>
-            <a:off x="0" y="365123"/>
+            <a:off x="1" y="365123"/>
             <a:ext cx="9153031" cy="720000"/>
           </a:xfrm>
           <a:prstGeom prst="rect">
@@ -3537,7 +3826,7 @@
         </p:nvSpPr>
         <p:spPr>
           <a:xfrm>
-            <a:off x="0" y="6492875"/>
+            <a:off x="0" y="6492877"/>
             <a:ext cx="7086600" cy="365125"/>
           </a:xfrm>
           <a:prstGeom prst="rect">
@@ -3718,11 +4007,59 @@
         <p:txBody>
           <a:bodyPr/>
           <a:lstStyle>
-            <a:lvl1pPr marL="0" indent="0">
-              <a:buNone/>
+            <a:lvl1pPr marL="342900" indent="-342900">
+              <a:buFont typeface="Arial" panose="020B0604020202020204" pitchFamily="34" charset="0"/>
+              <a:buChar char="•"/>
+              <a:defRPr lang="en-US" sz="2000" kern="1200" dirty="0" smtClean="0">
+                <a:solidFill>
+                  <a:schemeClr val="tx1"/>
+                </a:solidFill>
+                <a:latin typeface="Times New Roman" panose="02020603050405020304" pitchFamily="18" charset="0"/>
+                <a:ea typeface="+mn-ea"/>
+                <a:cs typeface="Times New Roman" panose="02020603050405020304" pitchFamily="18" charset="0"/>
+              </a:defRPr>
+            </a:lvl1pPr>
+            <a:lvl2pPr>
+              <a:defRPr lang="en-US" sz="1800" kern="1200" dirty="0" smtClean="0">
+                <a:solidFill>
+                  <a:schemeClr val="tx1"/>
+                </a:solidFill>
+                <a:latin typeface="Times New Roman" panose="02020603050405020304" pitchFamily="18" charset="0"/>
+                <a:ea typeface="+mn-ea"/>
+                <a:cs typeface="Times New Roman" panose="02020603050405020304" pitchFamily="18" charset="0"/>
+              </a:defRPr>
+            </a:lvl2pPr>
+          </a:lstStyle>
+          <a:p>
+            <a:pPr lvl="0"/>
+            <a:r>
+              <a:rPr lang="en-US" dirty="0"/>
+              <a:t>Click to edit Master text styles</a:t>
+            </a:r>
+          </a:p>
+          <a:p>
+            <a:pPr marL="685800" marR="0" lvl="1" indent="-228600" algn="l" defTabSz="914400" rtl="0" eaLnBrk="1" fontAlgn="auto" latinLnBrk="0" hangingPunct="1">
+              <a:lnSpc>
+                <a:spcPct val="90000"/>
+              </a:lnSpc>
+              <a:spcBef>
+                <a:spcPts val="500"/>
+              </a:spcBef>
+              <a:spcAft>
+                <a:spcPts val="0"/>
+              </a:spcAft>
+              <a:buClrTx/>
+              <a:buSzTx/>
+              <a:buFont typeface="Wingdings" panose="05000000000000000000" pitchFamily="2" charset="2"/>
+              <a:buChar char="§"/>
+              <a:tabLst/>
               <a:defRPr/>
-            </a:lvl1pPr>
-          </a:lstStyle>
+            </a:pPr>
+            <a:r>
+              <a:rPr lang="en-US" dirty="0"/>
+              <a:t>Click to edit Master text styles</a:t>
+            </a:r>
+          </a:p>
           <a:p>
             <a:pPr lvl="0"/>
             <a:endParaRPr lang="en-US" dirty="0"/>
@@ -3757,11 +4094,59 @@
         <p:txBody>
           <a:bodyPr/>
           <a:lstStyle>
-            <a:lvl1pPr marL="0" indent="0">
-              <a:buNone/>
+            <a:lvl1pPr marL="342900" indent="-342900">
+              <a:buFont typeface="Arial" panose="020B0604020202020204" pitchFamily="34" charset="0"/>
+              <a:buChar char="•"/>
+              <a:defRPr lang="en-US" sz="2000" kern="1200" dirty="0" smtClean="0">
+                <a:solidFill>
+                  <a:schemeClr val="tx1"/>
+                </a:solidFill>
+                <a:latin typeface="Times New Roman" panose="02020603050405020304" pitchFamily="18" charset="0"/>
+                <a:ea typeface="+mn-ea"/>
+                <a:cs typeface="Times New Roman" panose="02020603050405020304" pitchFamily="18" charset="0"/>
+              </a:defRPr>
+            </a:lvl1pPr>
+            <a:lvl2pPr marL="685800" indent="-228600">
+              <a:defRPr lang="en-US" sz="1800" kern="1200" dirty="0" smtClean="0">
+                <a:solidFill>
+                  <a:schemeClr val="tx1"/>
+                </a:solidFill>
+                <a:latin typeface="Times New Roman" panose="02020603050405020304" pitchFamily="18" charset="0"/>
+                <a:ea typeface="+mn-ea"/>
+                <a:cs typeface="Times New Roman" panose="02020603050405020304" pitchFamily="18" charset="0"/>
+              </a:defRPr>
+            </a:lvl2pPr>
+          </a:lstStyle>
+          <a:p>
+            <a:pPr lvl="0"/>
+            <a:r>
+              <a:rPr lang="en-US" dirty="0"/>
+              <a:t>Click to edit Master text styles</a:t>
+            </a:r>
+          </a:p>
+          <a:p>
+            <a:pPr marL="685800" marR="0" lvl="1" indent="-228600" algn="l" defTabSz="914400" rtl="0" eaLnBrk="1" fontAlgn="auto" latinLnBrk="0" hangingPunct="1">
+              <a:lnSpc>
+                <a:spcPct val="90000"/>
+              </a:lnSpc>
+              <a:spcBef>
+                <a:spcPts val="500"/>
+              </a:spcBef>
+              <a:spcAft>
+                <a:spcPts val="0"/>
+              </a:spcAft>
+              <a:buClrTx/>
+              <a:buSzTx/>
+              <a:buFont typeface="Wingdings" panose="05000000000000000000" pitchFamily="2" charset="2"/>
+              <a:buChar char="§"/>
+              <a:tabLst/>
               <a:defRPr/>
-            </a:lvl1pPr>
-          </a:lstStyle>
+            </a:pPr>
+            <a:r>
+              <a:rPr lang="en-US" dirty="0"/>
+              <a:t>Click to edit Master text styles</a:t>
+            </a:r>
+          </a:p>
           <a:p>
             <a:pPr lvl="0"/>
             <a:endParaRPr lang="en-US" dirty="0"/>
@@ -3771,7 +4156,7 @@
     </p:spTree>
     <p:extLst>
       <p:ext uri="{BB962C8B-B14F-4D97-AF65-F5344CB8AC3E}">
-        <p14:creationId xmlns:p14="http://schemas.microsoft.com/office/powerpoint/2010/main" val="1864967254"/>
+        <p14:creationId xmlns:p14="http://schemas.microsoft.com/office/powerpoint/2010/main" val="3896507617"/>
       </p:ext>
     </p:extLst>
   </p:cSld>
@@ -3826,7 +4211,7 @@
         </p:blipFill>
         <p:spPr>
           <a:xfrm>
-            <a:off x="7303436" y="0"/>
+            <a:off x="7303437" y="0"/>
             <a:ext cx="1840564" cy="360000"/>
           </a:xfrm>
           <a:prstGeom prst="rect">
@@ -3852,7 +4237,7 @@
         </p:nvSpPr>
         <p:spPr>
           <a:xfrm>
-            <a:off x="7086600" y="6492875"/>
+            <a:off x="7086600" y="6492877"/>
             <a:ext cx="2057400" cy="365125"/>
           </a:xfrm>
           <a:prstGeom prst="rect">
@@ -3942,7 +4327,7 @@
         </p:blipFill>
         <p:spPr>
           <a:xfrm>
-            <a:off x="5364335" y="0"/>
+            <a:off x="5364336" y="0"/>
             <a:ext cx="1837501" cy="360000"/>
           </a:xfrm>
           <a:prstGeom prst="rect">
@@ -3968,7 +4353,7 @@
         </p:nvSpPr>
         <p:spPr>
           <a:xfrm>
-            <a:off x="0" y="365123"/>
+            <a:off x="1" y="365123"/>
             <a:ext cx="9153031" cy="720000"/>
           </a:xfrm>
           <a:prstGeom prst="rect">
@@ -4022,7 +4407,7 @@
         </p:nvSpPr>
         <p:spPr>
           <a:xfrm>
-            <a:off x="0" y="6492875"/>
+            <a:off x="0" y="6492877"/>
             <a:ext cx="7086600" cy="365125"/>
           </a:xfrm>
           <a:prstGeom prst="rect">
@@ -4100,11 +4485,59 @@
         <p:txBody>
           <a:bodyPr/>
           <a:lstStyle>
-            <a:lvl1pPr marL="0" indent="0">
-              <a:buNone/>
+            <a:lvl1pPr marL="342900" indent="-342900">
+              <a:buFont typeface="Arial" panose="020B0604020202020204" pitchFamily="34" charset="0"/>
+              <a:buChar char="•"/>
+              <a:defRPr lang="en-US" sz="2000" kern="1200" dirty="0" smtClean="0">
+                <a:solidFill>
+                  <a:schemeClr val="tx1"/>
+                </a:solidFill>
+                <a:latin typeface="Times New Roman" panose="02020603050405020304" pitchFamily="18" charset="0"/>
+                <a:ea typeface="+mn-ea"/>
+                <a:cs typeface="Times New Roman" panose="02020603050405020304" pitchFamily="18" charset="0"/>
+              </a:defRPr>
+            </a:lvl1pPr>
+            <a:lvl2pPr>
+              <a:defRPr lang="en-US" sz="1800" kern="1200" dirty="0" smtClean="0">
+                <a:solidFill>
+                  <a:schemeClr val="tx1"/>
+                </a:solidFill>
+                <a:latin typeface="Times New Roman" panose="02020603050405020304" pitchFamily="18" charset="0"/>
+                <a:ea typeface="+mn-ea"/>
+                <a:cs typeface="Times New Roman" panose="02020603050405020304" pitchFamily="18" charset="0"/>
+              </a:defRPr>
+            </a:lvl2pPr>
+          </a:lstStyle>
+          <a:p>
+            <a:pPr lvl="0"/>
+            <a:r>
+              <a:rPr lang="en-US" dirty="0"/>
+              <a:t>Click to edit Master text styles</a:t>
+            </a:r>
+          </a:p>
+          <a:p>
+            <a:pPr marL="685800" marR="0" lvl="1" indent="-228600" algn="l" defTabSz="914400" rtl="0" eaLnBrk="1" fontAlgn="auto" latinLnBrk="0" hangingPunct="1">
+              <a:lnSpc>
+                <a:spcPct val="90000"/>
+              </a:lnSpc>
+              <a:spcBef>
+                <a:spcPts val="500"/>
+              </a:spcBef>
+              <a:spcAft>
+                <a:spcPts val="0"/>
+              </a:spcAft>
+              <a:buClrTx/>
+              <a:buSzTx/>
+              <a:buFont typeface="Wingdings" panose="05000000000000000000" pitchFamily="2" charset="2"/>
+              <a:buChar char="§"/>
+              <a:tabLst/>
               <a:defRPr/>
-            </a:lvl1pPr>
-          </a:lstStyle>
+            </a:pPr>
+            <a:r>
+              <a:rPr lang="en-US" dirty="0"/>
+              <a:t>Click to edit Master text styles</a:t>
+            </a:r>
+          </a:p>
           <a:p>
             <a:pPr lvl="0"/>
             <a:endParaRPr lang="en-US" dirty="0"/>
@@ -4129,7 +4562,7 @@
         </p:nvSpPr>
         <p:spPr>
           <a:xfrm>
-            <a:off x="168000" y="5603669"/>
+            <a:off x="168000" y="5603671"/>
             <a:ext cx="8808000" cy="690451"/>
           </a:xfrm>
           <a:prstGeom prst="rect">
@@ -4182,7 +4615,7 @@
     </p:spTree>
     <p:extLst>
       <p:ext uri="{BB962C8B-B14F-4D97-AF65-F5344CB8AC3E}">
-        <p14:creationId xmlns:p14="http://schemas.microsoft.com/office/powerpoint/2010/main" val="395551851"/>
+        <p14:creationId xmlns:p14="http://schemas.microsoft.com/office/powerpoint/2010/main" val="613445308"/>
       </p:ext>
     </p:extLst>
   </p:cSld>
@@ -4604,11 +5037,11 @@
     <p:sldLayoutId id="2147483661" r:id="rId1"/>
     <p:sldLayoutId id="2147483672" r:id="rId2"/>
     <p:sldLayoutId id="2147483673" r:id="rId3"/>
-    <p:sldLayoutId id="2147483662" r:id="rId4"/>
-    <p:sldLayoutId id="2147483674" r:id="rId5"/>
-    <p:sldLayoutId id="2147483675" r:id="rId6"/>
-    <p:sldLayoutId id="2147483677" r:id="rId7"/>
-    <p:sldLayoutId id="2147483678" r:id="rId8"/>
+    <p:sldLayoutId id="2147483677" r:id="rId4"/>
+    <p:sldLayoutId id="2147483678" r:id="rId5"/>
+    <p:sldLayoutId id="2147483679" r:id="rId6"/>
+    <p:sldLayoutId id="2147483680" r:id="rId7"/>
+    <p:sldLayoutId id="2147483681" r:id="rId8"/>
     <p:sldLayoutId id="2147483676" r:id="rId9"/>
   </p:sldLayoutIdLst>
   <p:hf hdr="0" ftr="0" dt="0"/>

--- a/PPT43.pptx
+++ b/PPT43.pptx
@@ -1044,8 +1044,8 @@
                 <a:solidFill>
                   <a:schemeClr val="bg1"/>
                 </a:solidFill>
-                <a:latin typeface="Times New Roman" panose="02020603050405020304" pitchFamily="18" charset="0"/>
-                <a:cs typeface="Times New Roman" panose="02020603050405020304" pitchFamily="18" charset="0"/>
+                <a:latin typeface="Arial" panose="020B0604020202020204" pitchFamily="34" charset="0"/>
+                <a:cs typeface="Arial" panose="020B0604020202020204" pitchFamily="34" charset="0"/>
               </a:defRPr>
             </a:lvl1pPr>
           </a:lstStyle>
@@ -1097,9 +1097,9 @@
                 <a:solidFill>
                   <a:schemeClr val="bg1"/>
                 </a:solidFill>
-                <a:latin typeface="Times New Roman" panose="02020603050405020304" pitchFamily="18" charset="0"/>
+                <a:latin typeface="Arial" panose="020B0604020202020204" pitchFamily="34" charset="0"/>
                 <a:ea typeface="+mj-ea"/>
-                <a:cs typeface="Times New Roman" panose="02020603050405020304" pitchFamily="18" charset="0"/>
+                <a:cs typeface="Arial" panose="020B0604020202020204" pitchFamily="34" charset="0"/>
               </a:defRPr>
             </a:lvl1pPr>
             <a:lvl2pPr marL="0" indent="0" algn="ctr" defTabSz="914400" rtl="0" eaLnBrk="1" latinLnBrk="0" hangingPunct="1">
@@ -1243,8 +1243,8 @@
                 <a:spcPct val="100000"/>
               </a:lnSpc>
               <a:defRPr sz="2400">
-                <a:latin typeface="Times New Roman" panose="02020603050405020304" pitchFamily="18" charset="0"/>
-                <a:cs typeface="Times New Roman" panose="02020603050405020304" pitchFamily="18" charset="0"/>
+                <a:latin typeface="Arial" panose="020B0604020202020204" pitchFamily="34" charset="0"/>
+                <a:cs typeface="Arial" panose="020B0604020202020204" pitchFamily="34" charset="0"/>
               </a:defRPr>
             </a:lvl1pPr>
             <a:lvl2pPr marL="685800" indent="-228600">
@@ -1254,8 +1254,8 @@
               <a:buFont typeface="Wingdings" panose="05000000000000000000" pitchFamily="2" charset="2"/>
               <a:buChar char="§"/>
               <a:defRPr sz="2000">
-                <a:latin typeface="Times New Roman" panose="02020603050405020304" pitchFamily="18" charset="0"/>
-                <a:cs typeface="Times New Roman" panose="02020603050405020304" pitchFamily="18" charset="0"/>
+                <a:latin typeface="Arial" panose="020B0604020202020204" pitchFamily="34" charset="0"/>
+                <a:cs typeface="Arial" panose="020B0604020202020204" pitchFamily="34" charset="0"/>
               </a:defRPr>
             </a:lvl2pPr>
             <a:lvl3pPr>
@@ -1359,8 +1359,8 @@
           <a:lstStyle>
             <a:lvl1pPr algn="r">
               <a:defRPr>
-                <a:latin typeface="Times New Roman" panose="02020603050405020304" pitchFamily="18" charset="0"/>
-                <a:cs typeface="Times New Roman" panose="02020603050405020304" pitchFamily="18" charset="0"/>
+                <a:latin typeface="Arial" panose="020B0604020202020204" pitchFamily="34" charset="0"/>
+                <a:cs typeface="Arial" panose="020B0604020202020204" pitchFamily="34" charset="0"/>
               </a:defRPr>
             </a:lvl1pPr>
           </a:lstStyle>
@@ -1485,9 +1485,9 @@
                 <a:solidFill>
                   <a:srgbClr val="9E2435"/>
                 </a:solidFill>
-                <a:latin typeface="Times New Roman" panose="02020603050405020304" pitchFamily="18" charset="0"/>
+                <a:latin typeface="Arial" panose="020B0604020202020204" pitchFamily="34" charset="0"/>
                 <a:ea typeface="+mj-ea"/>
-                <a:cs typeface="Times New Roman" panose="02020603050405020304" pitchFamily="18" charset="0"/>
+                <a:cs typeface="Arial" panose="020B0604020202020204" pitchFamily="34" charset="0"/>
               </a:defRPr>
             </a:lvl1pPr>
           </a:lstStyle>
@@ -1839,8 +1839,8 @@
                 <a:solidFill>
                   <a:schemeClr val="bg1"/>
                 </a:solidFill>
-                <a:latin typeface="Times New Roman" panose="02020603050405020304" pitchFamily="18" charset="0"/>
-                <a:cs typeface="Times New Roman" panose="02020603050405020304" pitchFamily="18" charset="0"/>
+                <a:latin typeface="Arial" panose="020B0604020202020204" pitchFamily="34" charset="0"/>
+                <a:cs typeface="Arial" panose="020B0604020202020204" pitchFamily="34" charset="0"/>
               </a:defRPr>
             </a:lvl1pPr>
           </a:lstStyle>
@@ -1948,8 +1948,8 @@
           <a:lstStyle>
             <a:lvl1pPr algn="r">
               <a:defRPr>
-                <a:latin typeface="Times New Roman" panose="02020603050405020304" pitchFamily="18" charset="0"/>
-                <a:cs typeface="Times New Roman" panose="02020603050405020304" pitchFamily="18" charset="0"/>
+                <a:latin typeface="Arial" panose="020B0604020202020204" pitchFamily="34" charset="0"/>
+                <a:cs typeface="Arial" panose="020B0604020202020204" pitchFamily="34" charset="0"/>
               </a:defRPr>
             </a:lvl1pPr>
           </a:lstStyle>
@@ -2074,9 +2074,9 @@
                 <a:solidFill>
                   <a:srgbClr val="9E2435"/>
                 </a:solidFill>
-                <a:latin typeface="Times New Roman" panose="02020603050405020304" pitchFamily="18" charset="0"/>
+                <a:latin typeface="Arial" panose="020B0604020202020204" pitchFamily="34" charset="0"/>
                 <a:ea typeface="+mj-ea"/>
-                <a:cs typeface="Times New Roman" panose="02020603050405020304" pitchFamily="18" charset="0"/>
+                <a:cs typeface="Arial" panose="020B0604020202020204" pitchFamily="34" charset="0"/>
               </a:defRPr>
             </a:lvl1pPr>
           </a:lstStyle>
@@ -2122,8 +2122,8 @@
               </a:spcBef>
               <a:buNone/>
               <a:defRPr sz="1200">
-                <a:latin typeface="Times New Roman" panose="02020603050405020304" pitchFamily="18" charset="0"/>
-                <a:cs typeface="Times New Roman" panose="02020603050405020304" pitchFamily="18" charset="0"/>
+                <a:latin typeface="Arial" panose="020B0604020202020204" pitchFamily="34" charset="0"/>
+                <a:cs typeface="Arial" panose="020B0604020202020204" pitchFamily="34" charset="0"/>
               </a:defRPr>
             </a:lvl1pPr>
           </a:lstStyle>
@@ -2189,8 +2189,8 @@
                 <a:spcPct val="100000"/>
               </a:lnSpc>
               <a:defRPr sz="2000">
-                <a:latin typeface="Times New Roman" panose="02020603050405020304" pitchFamily="18" charset="0"/>
-                <a:cs typeface="Times New Roman" panose="02020603050405020304" pitchFamily="18" charset="0"/>
+                <a:latin typeface="Arial" panose="020B0604020202020204" pitchFamily="34" charset="0"/>
+                <a:cs typeface="Arial" panose="020B0604020202020204" pitchFamily="34" charset="0"/>
               </a:defRPr>
             </a:lvl1pPr>
             <a:lvl2pPr marL="685800" indent="-228600">
@@ -2200,8 +2200,8 @@
               <a:buFont typeface="Wingdings" panose="05000000000000000000" pitchFamily="2" charset="2"/>
               <a:buChar char="§"/>
               <a:defRPr sz="1800">
-                <a:latin typeface="Times New Roman" panose="02020603050405020304" pitchFamily="18" charset="0"/>
-                <a:cs typeface="Times New Roman" panose="02020603050405020304" pitchFamily="18" charset="0"/>
+                <a:latin typeface="Arial" panose="020B0604020202020204" pitchFamily="34" charset="0"/>
+                <a:cs typeface="Arial" panose="020B0604020202020204" pitchFamily="34" charset="0"/>
               </a:defRPr>
             </a:lvl2pPr>
             <a:lvl3pPr>
@@ -2304,9 +2304,9 @@
                 <a:solidFill>
                   <a:schemeClr val="tx1"/>
                 </a:solidFill>
-                <a:latin typeface="Times New Roman" panose="02020603050405020304" pitchFamily="18" charset="0"/>
+                <a:latin typeface="Arial" panose="020B0604020202020204" pitchFamily="34" charset="0"/>
                 <a:ea typeface="+mn-ea"/>
-                <a:cs typeface="Times New Roman" panose="02020603050405020304" pitchFamily="18" charset="0"/>
+                <a:cs typeface="Arial" panose="020B0604020202020204" pitchFamily="34" charset="0"/>
               </a:defRPr>
             </a:lvl1pPr>
             <a:lvl2pPr>
@@ -2314,9 +2314,9 @@
                 <a:solidFill>
                   <a:schemeClr val="tx1"/>
                 </a:solidFill>
-                <a:latin typeface="Times New Roman" panose="02020603050405020304" pitchFamily="18" charset="0"/>
+                <a:latin typeface="Arial" panose="020B0604020202020204" pitchFamily="34" charset="0"/>
                 <a:ea typeface="+mn-ea"/>
-                <a:cs typeface="Times New Roman" panose="02020603050405020304" pitchFamily="18" charset="0"/>
+                <a:cs typeface="Arial" panose="020B0604020202020204" pitchFamily="34" charset="0"/>
               </a:defRPr>
             </a:lvl2pPr>
           </a:lstStyle>
@@ -2422,8 +2422,8 @@
           <a:lstStyle>
             <a:lvl1pPr algn="r">
               <a:defRPr>
-                <a:latin typeface="Times New Roman" panose="02020603050405020304" pitchFamily="18" charset="0"/>
-                <a:cs typeface="Times New Roman" panose="02020603050405020304" pitchFamily="18" charset="0"/>
+                <a:latin typeface="Arial" panose="020B0604020202020204" pitchFamily="34" charset="0"/>
+                <a:cs typeface="Arial" panose="020B0604020202020204" pitchFamily="34" charset="0"/>
               </a:defRPr>
             </a:lvl1pPr>
           </a:lstStyle>
@@ -2548,9 +2548,9 @@
                 <a:solidFill>
                   <a:srgbClr val="9E2435"/>
                 </a:solidFill>
-                <a:latin typeface="Times New Roman" panose="02020603050405020304" pitchFamily="18" charset="0"/>
+                <a:latin typeface="Arial" panose="020B0604020202020204" pitchFamily="34" charset="0"/>
                 <a:ea typeface="+mj-ea"/>
-                <a:cs typeface="Times New Roman" panose="02020603050405020304" pitchFamily="18" charset="0"/>
+                <a:cs typeface="Arial" panose="020B0604020202020204" pitchFamily="34" charset="0"/>
               </a:defRPr>
             </a:lvl1pPr>
           </a:lstStyle>
@@ -2595,8 +2595,8 @@
                 <a:spcPct val="100000"/>
               </a:lnSpc>
               <a:defRPr sz="2000">
-                <a:latin typeface="Times New Roman" panose="02020603050405020304" pitchFamily="18" charset="0"/>
-                <a:cs typeface="Times New Roman" panose="02020603050405020304" pitchFamily="18" charset="0"/>
+                <a:latin typeface="Arial" panose="020B0604020202020204" pitchFamily="34" charset="0"/>
+                <a:cs typeface="Arial" panose="020B0604020202020204" pitchFamily="34" charset="0"/>
               </a:defRPr>
             </a:lvl1pPr>
             <a:lvl2pPr marL="457200" indent="0">
@@ -2606,8 +2606,8 @@
               <a:buFont typeface="Wingdings" panose="05000000000000000000" pitchFamily="2" charset="2"/>
               <a:buNone/>
               <a:defRPr sz="1800">
-                <a:latin typeface="Times New Roman" panose="02020603050405020304" pitchFamily="18" charset="0"/>
-                <a:cs typeface="Times New Roman" panose="02020603050405020304" pitchFamily="18" charset="0"/>
+                <a:latin typeface="Arial" panose="020B0604020202020204" pitchFamily="34" charset="0"/>
+                <a:cs typeface="Arial" panose="020B0604020202020204" pitchFamily="34" charset="0"/>
               </a:defRPr>
             </a:lvl2pPr>
             <a:lvl3pPr>
@@ -2695,8 +2695,8 @@
               </a:spcBef>
               <a:buNone/>
               <a:defRPr sz="1200">
-                <a:latin typeface="Times New Roman" panose="02020603050405020304" pitchFamily="18" charset="0"/>
-                <a:cs typeface="Times New Roman" panose="02020603050405020304" pitchFamily="18" charset="0"/>
+                <a:latin typeface="Arial" panose="020B0604020202020204" pitchFamily="34" charset="0"/>
+                <a:cs typeface="Arial" panose="020B0604020202020204" pitchFamily="34" charset="0"/>
               </a:defRPr>
             </a:lvl1pPr>
           </a:lstStyle>
@@ -2764,9 +2764,9 @@
                 <a:solidFill>
                   <a:schemeClr val="tx1"/>
                 </a:solidFill>
-                <a:latin typeface="Times New Roman" panose="02020603050405020304" pitchFamily="18" charset="0"/>
+                <a:latin typeface="Arial" panose="020B0604020202020204" pitchFamily="34" charset="0"/>
                 <a:ea typeface="+mn-ea"/>
-                <a:cs typeface="Times New Roman" panose="02020603050405020304" pitchFamily="18" charset="0"/>
+                <a:cs typeface="Arial" panose="020B0604020202020204" pitchFamily="34" charset="0"/>
               </a:defRPr>
             </a:lvl1pPr>
             <a:lvl2pPr>
@@ -2774,9 +2774,9 @@
                 <a:solidFill>
                   <a:schemeClr val="tx1"/>
                 </a:solidFill>
-                <a:latin typeface="Times New Roman" panose="02020603050405020304" pitchFamily="18" charset="0"/>
+                <a:latin typeface="Arial" panose="020B0604020202020204" pitchFamily="34" charset="0"/>
                 <a:ea typeface="+mn-ea"/>
-                <a:cs typeface="Times New Roman" panose="02020603050405020304" pitchFamily="18" charset="0"/>
+                <a:cs typeface="Arial" panose="020B0604020202020204" pitchFamily="34" charset="0"/>
               </a:defRPr>
             </a:lvl2pPr>
           </a:lstStyle>
@@ -2881,9 +2881,9 @@
                 <a:solidFill>
                   <a:schemeClr val="tx1"/>
                 </a:solidFill>
-                <a:latin typeface="Times New Roman" panose="02020603050405020304" pitchFamily="18" charset="0"/>
+                <a:latin typeface="Arial" panose="020B0604020202020204" pitchFamily="34" charset="0"/>
                 <a:ea typeface="+mn-ea"/>
-                <a:cs typeface="Times New Roman" panose="02020603050405020304" pitchFamily="18" charset="0"/>
+                <a:cs typeface="Arial" panose="020B0604020202020204" pitchFamily="34" charset="0"/>
               </a:defRPr>
             </a:lvl1pPr>
             <a:lvl2pPr>
@@ -2891,9 +2891,9 @@
                 <a:solidFill>
                   <a:schemeClr val="tx1"/>
                 </a:solidFill>
-                <a:latin typeface="Times New Roman" panose="02020603050405020304" pitchFamily="18" charset="0"/>
+                <a:latin typeface="Arial" panose="020B0604020202020204" pitchFamily="34" charset="0"/>
                 <a:ea typeface="+mn-ea"/>
-                <a:cs typeface="Times New Roman" panose="02020603050405020304" pitchFamily="18" charset="0"/>
+                <a:cs typeface="Arial" panose="020B0604020202020204" pitchFamily="34" charset="0"/>
               </a:defRPr>
             </a:lvl2pPr>
           </a:lstStyle>
@@ -2968,9 +2968,9 @@
                 <a:solidFill>
                   <a:schemeClr val="tx1"/>
                 </a:solidFill>
-                <a:latin typeface="Times New Roman" panose="02020603050405020304" pitchFamily="18" charset="0"/>
+                <a:latin typeface="Arial" panose="020B0604020202020204" pitchFamily="34" charset="0"/>
                 <a:ea typeface="+mn-ea"/>
-                <a:cs typeface="Times New Roman" panose="02020603050405020304" pitchFamily="18" charset="0"/>
+                <a:cs typeface="Arial" panose="020B0604020202020204" pitchFamily="34" charset="0"/>
               </a:defRPr>
             </a:lvl1pPr>
             <a:lvl2pPr>
@@ -2978,9 +2978,9 @@
                 <a:solidFill>
                   <a:schemeClr val="tx1"/>
                 </a:solidFill>
-                <a:latin typeface="Times New Roman" panose="02020603050405020304" pitchFamily="18" charset="0"/>
+                <a:latin typeface="Arial" panose="020B0604020202020204" pitchFamily="34" charset="0"/>
                 <a:ea typeface="+mn-ea"/>
-                <a:cs typeface="Times New Roman" panose="02020603050405020304" pitchFamily="18" charset="0"/>
+                <a:cs typeface="Arial" panose="020B0604020202020204" pitchFamily="34" charset="0"/>
               </a:defRPr>
             </a:lvl2pPr>
           </a:lstStyle>
@@ -3086,8 +3086,8 @@
           <a:lstStyle>
             <a:lvl1pPr algn="r">
               <a:defRPr>
-                <a:latin typeface="Times New Roman" panose="02020603050405020304" pitchFamily="18" charset="0"/>
-                <a:cs typeface="Times New Roman" panose="02020603050405020304" pitchFamily="18" charset="0"/>
+                <a:latin typeface="Arial" panose="020B0604020202020204" pitchFamily="34" charset="0"/>
+                <a:cs typeface="Arial" panose="020B0604020202020204" pitchFamily="34" charset="0"/>
               </a:defRPr>
             </a:lvl1pPr>
           </a:lstStyle>
@@ -3212,9 +3212,9 @@
                 <a:solidFill>
                   <a:srgbClr val="9E2435"/>
                 </a:solidFill>
-                <a:latin typeface="Times New Roman" panose="02020603050405020304" pitchFamily="18" charset="0"/>
+                <a:latin typeface="Arial" panose="020B0604020202020204" pitchFamily="34" charset="0"/>
                 <a:ea typeface="+mj-ea"/>
-                <a:cs typeface="Times New Roman" panose="02020603050405020304" pitchFamily="18" charset="0"/>
+                <a:cs typeface="Arial" panose="020B0604020202020204" pitchFamily="34" charset="0"/>
               </a:defRPr>
             </a:lvl1pPr>
           </a:lstStyle>
@@ -3259,8 +3259,8 @@
                 <a:spcPct val="100000"/>
               </a:lnSpc>
               <a:defRPr sz="2000">
-                <a:latin typeface="Times New Roman" panose="02020603050405020304" pitchFamily="18" charset="0"/>
-                <a:cs typeface="Times New Roman" panose="02020603050405020304" pitchFamily="18" charset="0"/>
+                <a:latin typeface="Arial" panose="020B0604020202020204" pitchFamily="34" charset="0"/>
+                <a:cs typeface="Arial" panose="020B0604020202020204" pitchFamily="34" charset="0"/>
               </a:defRPr>
             </a:lvl1pPr>
             <a:lvl2pPr marL="685800" indent="-228600">
@@ -3270,8 +3270,8 @@
               <a:buFont typeface="Wingdings" panose="05000000000000000000" pitchFamily="2" charset="2"/>
               <a:buChar char="§"/>
               <a:defRPr sz="1800">
-                <a:latin typeface="Times New Roman" panose="02020603050405020304" pitchFamily="18" charset="0"/>
-                <a:cs typeface="Times New Roman" panose="02020603050405020304" pitchFamily="18" charset="0"/>
+                <a:latin typeface="Arial" panose="020B0604020202020204" pitchFamily="34" charset="0"/>
+                <a:cs typeface="Arial" panose="020B0604020202020204" pitchFamily="34" charset="0"/>
               </a:defRPr>
             </a:lvl2pPr>
             <a:lvl3pPr>
@@ -3363,8 +3363,8 @@
               </a:spcBef>
               <a:buNone/>
               <a:defRPr sz="1200">
-                <a:latin typeface="Times New Roman" panose="02020603050405020304" pitchFamily="18" charset="0"/>
-                <a:cs typeface="Times New Roman" panose="02020603050405020304" pitchFamily="18" charset="0"/>
+                <a:latin typeface="Arial" panose="020B0604020202020204" pitchFamily="34" charset="0"/>
+                <a:cs typeface="Arial" panose="020B0604020202020204" pitchFamily="34" charset="0"/>
               </a:defRPr>
             </a:lvl1pPr>
           </a:lstStyle>
@@ -3432,9 +3432,9 @@
                 <a:solidFill>
                   <a:schemeClr val="tx1"/>
                 </a:solidFill>
-                <a:latin typeface="Times New Roman" panose="02020603050405020304" pitchFamily="18" charset="0"/>
+                <a:latin typeface="Arial" panose="020B0604020202020204" pitchFamily="34" charset="0"/>
                 <a:ea typeface="+mn-ea"/>
-                <a:cs typeface="Times New Roman" panose="02020603050405020304" pitchFamily="18" charset="0"/>
+                <a:cs typeface="Arial" panose="020B0604020202020204" pitchFamily="34" charset="0"/>
               </a:defRPr>
             </a:lvl1pPr>
             <a:lvl2pPr>
@@ -3442,9 +3442,9 @@
                 <a:solidFill>
                   <a:schemeClr val="tx1"/>
                 </a:solidFill>
-                <a:latin typeface="Times New Roman" panose="02020603050405020304" pitchFamily="18" charset="0"/>
+                <a:latin typeface="Arial" panose="020B0604020202020204" pitchFamily="34" charset="0"/>
                 <a:ea typeface="+mn-ea"/>
-                <a:cs typeface="Times New Roman" panose="02020603050405020304" pitchFamily="18" charset="0"/>
+                <a:cs typeface="Arial" panose="020B0604020202020204" pitchFamily="34" charset="0"/>
               </a:defRPr>
             </a:lvl2pPr>
           </a:lstStyle>
@@ -3519,9 +3519,9 @@
                 <a:solidFill>
                   <a:schemeClr val="tx1"/>
                 </a:solidFill>
-                <a:latin typeface="Times New Roman" panose="02020603050405020304" pitchFamily="18" charset="0"/>
+                <a:latin typeface="Arial" panose="020B0604020202020204" pitchFamily="34" charset="0"/>
                 <a:ea typeface="+mn-ea"/>
-                <a:cs typeface="Times New Roman" panose="02020603050405020304" pitchFamily="18" charset="0"/>
+                <a:cs typeface="Arial" panose="020B0604020202020204" pitchFamily="34" charset="0"/>
               </a:defRPr>
             </a:lvl1pPr>
             <a:lvl2pPr marL="457200" indent="0">
@@ -3530,9 +3530,9 @@
                 <a:solidFill>
                   <a:schemeClr val="tx1"/>
                 </a:solidFill>
-                <a:latin typeface="Times New Roman" panose="02020603050405020304" pitchFamily="18" charset="0"/>
+                <a:latin typeface="Arial" panose="020B0604020202020204" pitchFamily="34" charset="0"/>
                 <a:ea typeface="+mn-ea"/>
-                <a:cs typeface="Times New Roman" panose="02020603050405020304" pitchFamily="18" charset="0"/>
+                <a:cs typeface="Arial" panose="020B0604020202020204" pitchFamily="34" charset="0"/>
               </a:defRPr>
             </a:lvl2pPr>
           </a:lstStyle>
@@ -3668,8 +3668,8 @@
           <a:lstStyle>
             <a:lvl1pPr algn="r">
               <a:defRPr>
-                <a:latin typeface="Times New Roman" panose="02020603050405020304" pitchFamily="18" charset="0"/>
-                <a:cs typeface="Times New Roman" panose="02020603050405020304" pitchFamily="18" charset="0"/>
+                <a:latin typeface="Arial" panose="020B0604020202020204" pitchFamily="34" charset="0"/>
+                <a:cs typeface="Arial" panose="020B0604020202020204" pitchFamily="34" charset="0"/>
               </a:defRPr>
             </a:lvl1pPr>
           </a:lstStyle>
@@ -3794,9 +3794,9 @@
                 <a:solidFill>
                   <a:srgbClr val="9E2435"/>
                 </a:solidFill>
-                <a:latin typeface="Times New Roman" panose="02020603050405020304" pitchFamily="18" charset="0"/>
+                <a:latin typeface="Arial" panose="020B0604020202020204" pitchFamily="34" charset="0"/>
                 <a:ea typeface="+mj-ea"/>
-                <a:cs typeface="Times New Roman" panose="02020603050405020304" pitchFamily="18" charset="0"/>
+                <a:cs typeface="Arial" panose="020B0604020202020204" pitchFamily="34" charset="0"/>
               </a:defRPr>
             </a:lvl1pPr>
           </a:lstStyle>
@@ -3842,8 +3842,8 @@
               </a:spcBef>
               <a:buNone/>
               <a:defRPr sz="1200">
-                <a:latin typeface="Times New Roman" panose="02020603050405020304" pitchFamily="18" charset="0"/>
-                <a:cs typeface="Times New Roman" panose="02020603050405020304" pitchFamily="18" charset="0"/>
+                <a:latin typeface="Arial" panose="020B0604020202020204" pitchFamily="34" charset="0"/>
+                <a:cs typeface="Arial" panose="020B0604020202020204" pitchFamily="34" charset="0"/>
               </a:defRPr>
             </a:lvl1pPr>
           </a:lstStyle>
@@ -3909,8 +3909,8 @@
                 <a:spcPct val="100000"/>
               </a:lnSpc>
               <a:defRPr sz="2000">
-                <a:latin typeface="Times New Roman" panose="02020603050405020304" pitchFamily="18" charset="0"/>
-                <a:cs typeface="Times New Roman" panose="02020603050405020304" pitchFamily="18" charset="0"/>
+                <a:latin typeface="Arial" panose="020B0604020202020204" pitchFamily="34" charset="0"/>
+                <a:cs typeface="Arial" panose="020B0604020202020204" pitchFamily="34" charset="0"/>
               </a:defRPr>
             </a:lvl1pPr>
             <a:lvl2pPr marL="685800" indent="-228600">
@@ -3920,8 +3920,8 @@
               <a:buFont typeface="Wingdings" panose="05000000000000000000" pitchFamily="2" charset="2"/>
               <a:buChar char="§"/>
               <a:defRPr sz="1800">
-                <a:latin typeface="Times New Roman" panose="02020603050405020304" pitchFamily="18" charset="0"/>
-                <a:cs typeface="Times New Roman" panose="02020603050405020304" pitchFamily="18" charset="0"/>
+                <a:latin typeface="Arial" panose="020B0604020202020204" pitchFamily="34" charset="0"/>
+                <a:cs typeface="Arial" panose="020B0604020202020204" pitchFamily="34" charset="0"/>
               </a:defRPr>
             </a:lvl2pPr>
             <a:lvl3pPr>
@@ -4014,9 +4014,9 @@
                 <a:solidFill>
                   <a:schemeClr val="tx1"/>
                 </a:solidFill>
-                <a:latin typeface="Times New Roman" panose="02020603050405020304" pitchFamily="18" charset="0"/>
+                <a:latin typeface="Arial" panose="020B0604020202020204" pitchFamily="34" charset="0"/>
                 <a:ea typeface="+mn-ea"/>
-                <a:cs typeface="Times New Roman" panose="02020603050405020304" pitchFamily="18" charset="0"/>
+                <a:cs typeface="Arial" panose="020B0604020202020204" pitchFamily="34" charset="0"/>
               </a:defRPr>
             </a:lvl1pPr>
             <a:lvl2pPr>
@@ -4024,9 +4024,9 @@
                 <a:solidFill>
                   <a:schemeClr val="tx1"/>
                 </a:solidFill>
-                <a:latin typeface="Times New Roman" panose="02020603050405020304" pitchFamily="18" charset="0"/>
+                <a:latin typeface="Arial" panose="020B0604020202020204" pitchFamily="34" charset="0"/>
                 <a:ea typeface="+mn-ea"/>
-                <a:cs typeface="Times New Roman" panose="02020603050405020304" pitchFamily="18" charset="0"/>
+                <a:cs typeface="Arial" panose="020B0604020202020204" pitchFamily="34" charset="0"/>
               </a:defRPr>
             </a:lvl2pPr>
           </a:lstStyle>
@@ -4101,9 +4101,9 @@
                 <a:solidFill>
                   <a:schemeClr val="tx1"/>
                 </a:solidFill>
-                <a:latin typeface="Times New Roman" panose="02020603050405020304" pitchFamily="18" charset="0"/>
+                <a:latin typeface="Arial" panose="020B0604020202020204" pitchFamily="34" charset="0"/>
                 <a:ea typeface="+mn-ea"/>
-                <a:cs typeface="Times New Roman" panose="02020603050405020304" pitchFamily="18" charset="0"/>
+                <a:cs typeface="Arial" panose="020B0604020202020204" pitchFamily="34" charset="0"/>
               </a:defRPr>
             </a:lvl1pPr>
             <a:lvl2pPr marL="685800" indent="-228600">
@@ -4111,9 +4111,9 @@
                 <a:solidFill>
                   <a:schemeClr val="tx1"/>
                 </a:solidFill>
-                <a:latin typeface="Times New Roman" panose="02020603050405020304" pitchFamily="18" charset="0"/>
+                <a:latin typeface="Arial" panose="020B0604020202020204" pitchFamily="34" charset="0"/>
                 <a:ea typeface="+mn-ea"/>
-                <a:cs typeface="Times New Roman" panose="02020603050405020304" pitchFamily="18" charset="0"/>
+                <a:cs typeface="Arial" panose="020B0604020202020204" pitchFamily="34" charset="0"/>
               </a:defRPr>
             </a:lvl2pPr>
           </a:lstStyle>
@@ -4249,8 +4249,8 @@
           <a:lstStyle>
             <a:lvl1pPr algn="r">
               <a:defRPr>
-                <a:latin typeface="Times New Roman" panose="02020603050405020304" pitchFamily="18" charset="0"/>
-                <a:cs typeface="Times New Roman" panose="02020603050405020304" pitchFamily="18" charset="0"/>
+                <a:latin typeface="Arial" panose="020B0604020202020204" pitchFamily="34" charset="0"/>
+                <a:cs typeface="Arial" panose="020B0604020202020204" pitchFamily="34" charset="0"/>
               </a:defRPr>
             </a:lvl1pPr>
           </a:lstStyle>
@@ -4375,9 +4375,9 @@
                 <a:solidFill>
                   <a:srgbClr val="9E2435"/>
                 </a:solidFill>
-                <a:latin typeface="Times New Roman" panose="02020603050405020304" pitchFamily="18" charset="0"/>
+                <a:latin typeface="Arial" panose="020B0604020202020204" pitchFamily="34" charset="0"/>
                 <a:ea typeface="+mj-ea"/>
-                <a:cs typeface="Times New Roman" panose="02020603050405020304" pitchFamily="18" charset="0"/>
+                <a:cs typeface="Arial" panose="020B0604020202020204" pitchFamily="34" charset="0"/>
               </a:defRPr>
             </a:lvl1pPr>
           </a:lstStyle>
@@ -4423,8 +4423,8 @@
               </a:spcBef>
               <a:buNone/>
               <a:defRPr sz="1200">
-                <a:latin typeface="Times New Roman" panose="02020603050405020304" pitchFamily="18" charset="0"/>
-                <a:cs typeface="Times New Roman" panose="02020603050405020304" pitchFamily="18" charset="0"/>
+                <a:latin typeface="Arial" panose="020B0604020202020204" pitchFamily="34" charset="0"/>
+                <a:cs typeface="Arial" panose="020B0604020202020204" pitchFamily="34" charset="0"/>
               </a:defRPr>
             </a:lvl1pPr>
           </a:lstStyle>
@@ -4492,9 +4492,9 @@
                 <a:solidFill>
                   <a:schemeClr val="tx1"/>
                 </a:solidFill>
-                <a:latin typeface="Times New Roman" panose="02020603050405020304" pitchFamily="18" charset="0"/>
+                <a:latin typeface="Arial" panose="020B0604020202020204" pitchFamily="34" charset="0"/>
                 <a:ea typeface="+mn-ea"/>
-                <a:cs typeface="Times New Roman" panose="02020603050405020304" pitchFamily="18" charset="0"/>
+                <a:cs typeface="Arial" panose="020B0604020202020204" pitchFamily="34" charset="0"/>
               </a:defRPr>
             </a:lvl1pPr>
             <a:lvl2pPr>
@@ -4502,9 +4502,9 @@
                 <a:solidFill>
                   <a:schemeClr val="tx1"/>
                 </a:solidFill>
-                <a:latin typeface="Times New Roman" panose="02020603050405020304" pitchFamily="18" charset="0"/>
+                <a:latin typeface="Arial" panose="020B0604020202020204" pitchFamily="34" charset="0"/>
                 <a:ea typeface="+mn-ea"/>
-                <a:cs typeface="Times New Roman" panose="02020603050405020304" pitchFamily="18" charset="0"/>
+                <a:cs typeface="Arial" panose="020B0604020202020204" pitchFamily="34" charset="0"/>
               </a:defRPr>
             </a:lvl2pPr>
           </a:lstStyle>
@@ -4574,8 +4574,8 @@
           <a:lstStyle>
             <a:lvl1pPr>
               <a:defRPr sz="2000">
-                <a:latin typeface="Times New Roman" panose="02020603050405020304" pitchFamily="18" charset="0"/>
-                <a:cs typeface="Times New Roman" panose="02020603050405020304" pitchFamily="18" charset="0"/>
+                <a:latin typeface="Arial" panose="020B0604020202020204" pitchFamily="34" charset="0"/>
+                <a:cs typeface="Arial" panose="020B0604020202020204" pitchFamily="34" charset="0"/>
               </a:defRPr>
             </a:lvl1pPr>
             <a:lvl2pPr>
@@ -4952,8 +4952,8 @@
                 <a:solidFill>
                   <a:schemeClr val="bg1"/>
                 </a:solidFill>
-                <a:latin typeface="Times New Roman" panose="02020603050405020304" pitchFamily="18" charset="0"/>
-                <a:cs typeface="Times New Roman" panose="02020603050405020304" pitchFamily="18" charset="0"/>
+                <a:latin typeface="Arial" panose="020B0604020202020204" pitchFamily="34" charset="0"/>
+                <a:cs typeface="Arial" panose="020B0604020202020204" pitchFamily="34" charset="0"/>
               </a:rPr>
               <a:t>Thanks for your attention</a:t>
             </a:r>
@@ -4964,8 +4964,8 @@
               <a:solidFill>
                 <a:schemeClr val="bg1"/>
               </a:solidFill>
-              <a:latin typeface="Times New Roman" panose="02020603050405020304" pitchFamily="18" charset="0"/>
-              <a:cs typeface="Times New Roman" panose="02020603050405020304" pitchFamily="18" charset="0"/>
+              <a:latin typeface="Arial" panose="020B0604020202020204" pitchFamily="34" charset="0"/>
+              <a:cs typeface="Arial" panose="020B0604020202020204" pitchFamily="34" charset="0"/>
             </a:endParaRPr>
           </a:p>
           <a:p>
@@ -4975,8 +4975,8 @@
                 <a:solidFill>
                   <a:schemeClr val="bg1"/>
                 </a:solidFill>
-                <a:latin typeface="Times New Roman" panose="02020603050405020304" pitchFamily="18" charset="0"/>
-                <a:cs typeface="Times New Roman" panose="02020603050405020304" pitchFamily="18" charset="0"/>
+                <a:latin typeface="Arial" panose="020B0604020202020204" pitchFamily="34" charset="0"/>
+                <a:cs typeface="Arial" panose="020B0604020202020204" pitchFamily="34" charset="0"/>
               </a:rPr>
               <a:t>Q &amp; A</a:t>
             </a:r>
@@ -4984,8 +4984,8 @@
               <a:solidFill>
                 <a:schemeClr val="bg1"/>
               </a:solidFill>
-              <a:latin typeface="Times New Roman" panose="02020603050405020304" pitchFamily="18" charset="0"/>
-              <a:cs typeface="Times New Roman" panose="02020603050405020304" pitchFamily="18" charset="0"/>
+              <a:latin typeface="Arial" panose="020B0604020202020204" pitchFamily="34" charset="0"/>
+              <a:cs typeface="Arial" panose="020B0604020202020204" pitchFamily="34" charset="0"/>
             </a:endParaRPr>
           </a:p>
         </p:txBody>

--- a/PPT43.pptx
+++ b/PPT43.pptx
@@ -273,7 +273,7 @@
           <a:p>
             <a:fld id="{BDF5B7B3-C534-42DE-8E1D-7FBB8A579928}" type="datetimeFigureOut">
               <a:rPr lang="en-US" smtClean="0"/>
-              <a:t>5/21/2025</a:t>
+              <a:t>5/22/2025</a:t>
             </a:fld>
             <a:endParaRPr lang="en-US"/>
           </a:p>
@@ -450,7 +450,7 @@
           <a:p>
             <a:fld id="{F374C232-036A-4EC1-BC5D-6F7874F89560}" type="datetimeFigureOut">
               <a:rPr lang="en-GB" smtClean="0"/>
-              <a:t>21/05/2025</a:t>
+              <a:t>22/05/2025</a:t>
             </a:fld>
             <a:endParaRPr lang="en-GB"/>
           </a:p>
@@ -2090,10 +2090,10 @@
       </p:sp>
       <p:sp>
         <p:nvSpPr>
-          <p:cNvPr id="22" name="Content Placeholder 21">
-            <a:extLst>
-              <a:ext uri="{FF2B5EF4-FFF2-40B4-BE49-F238E27FC236}">
-                <a16:creationId xmlns:a16="http://schemas.microsoft.com/office/drawing/2014/main" id="{9E2367A4-091D-80F8-3CB1-F93538EE1B6C}"/>
+          <p:cNvPr id="23" name="Text Placeholder 19">
+            <a:extLst>
+              <a:ext uri="{FF2B5EF4-FFF2-40B4-BE49-F238E27FC236}">
+                <a16:creationId xmlns:a16="http://schemas.microsoft.com/office/drawing/2014/main" id="{4B41F9F1-58CD-F7D7-C83B-FD4DC2C9D1AF}"/>
               </a:ext>
             </a:extLst>
           </p:cNvPr>
@@ -2101,13 +2101,96 @@
             <a:spLocks noGrp="1"/>
           </p:cNvSpPr>
           <p:nvPr>
-            <p:ph sz="quarter" idx="11"/>
+            <p:ph type="body" sz="quarter" idx="12"/>
           </p:nvPr>
         </p:nvSpPr>
         <p:spPr>
           <a:xfrm>
-            <a:off x="0" y="6492877"/>
-            <a:ext cx="7086600" cy="365125"/>
+            <a:off x="252000" y="1628999"/>
+            <a:ext cx="8640000" cy="4320000"/>
+          </a:xfrm>
+          <a:prstGeom prst="rect">
+            <a:avLst/>
+          </a:prstGeom>
+        </p:spPr>
+        <p:txBody>
+          <a:bodyPr/>
+          <a:lstStyle>
+            <a:lvl1pPr>
+              <a:lnSpc>
+                <a:spcPct val="100000"/>
+              </a:lnSpc>
+              <a:defRPr sz="2000">
+                <a:latin typeface="Arial" panose="020B0604020202020204" pitchFamily="34" charset="0"/>
+                <a:cs typeface="Arial" panose="020B0604020202020204" pitchFamily="34" charset="0"/>
+              </a:defRPr>
+            </a:lvl1pPr>
+            <a:lvl2pPr marL="685800" indent="-228600">
+              <a:lnSpc>
+                <a:spcPct val="100000"/>
+              </a:lnSpc>
+              <a:buFont typeface="Wingdings" panose="05000000000000000000" pitchFamily="2" charset="2"/>
+              <a:buChar char="§"/>
+              <a:defRPr sz="1800">
+                <a:latin typeface="Arial" panose="020B0604020202020204" pitchFamily="34" charset="0"/>
+                <a:cs typeface="Arial" panose="020B0604020202020204" pitchFamily="34" charset="0"/>
+              </a:defRPr>
+            </a:lvl2pPr>
+            <a:lvl3pPr>
+              <a:defRPr sz="1600">
+                <a:latin typeface="Times New Roman" panose="02020603050405020304" pitchFamily="18" charset="0"/>
+                <a:cs typeface="Times New Roman" panose="02020603050405020304" pitchFamily="18" charset="0"/>
+              </a:defRPr>
+            </a:lvl3pPr>
+            <a:lvl4pPr>
+              <a:defRPr>
+                <a:latin typeface="Times New Roman" panose="02020603050405020304" pitchFamily="18" charset="0"/>
+                <a:cs typeface="Times New Roman" panose="02020603050405020304" pitchFamily="18" charset="0"/>
+              </a:defRPr>
+            </a:lvl4pPr>
+            <a:lvl5pPr>
+              <a:defRPr>
+                <a:latin typeface="Times New Roman" panose="02020603050405020304" pitchFamily="18" charset="0"/>
+                <a:cs typeface="Times New Roman" panose="02020603050405020304" pitchFamily="18" charset="0"/>
+              </a:defRPr>
+            </a:lvl5pPr>
+          </a:lstStyle>
+          <a:p>
+            <a:pPr lvl="0"/>
+            <a:r>
+              <a:rPr lang="en-US" dirty="0"/>
+              <a:t>Click to edit Master text styles</a:t>
+            </a:r>
+          </a:p>
+          <a:p>
+            <a:pPr lvl="1"/>
+            <a:r>
+              <a:rPr lang="en-US" dirty="0"/>
+              <a:t>Second level</a:t>
+            </a:r>
+          </a:p>
+        </p:txBody>
+      </p:sp>
+      <p:sp>
+        <p:nvSpPr>
+          <p:cNvPr id="3" name="Text Placeholder 2">
+            <a:extLst>
+              <a:ext uri="{FF2B5EF4-FFF2-40B4-BE49-F238E27FC236}">
+                <a16:creationId xmlns:a16="http://schemas.microsoft.com/office/drawing/2014/main" id="{5FA70DDF-D1D5-E039-2112-039B52DF6E9A}"/>
+              </a:ext>
+            </a:extLst>
+          </p:cNvPr>
+          <p:cNvSpPr>
+            <a:spLocks noGrp="1"/>
+          </p:cNvSpPr>
+          <p:nvPr>
+            <p:ph type="body" sz="quarter" idx="13"/>
+          </p:nvPr>
+        </p:nvSpPr>
+        <p:spPr>
+          <a:xfrm>
+            <a:off x="-9031" y="6485890"/>
+            <a:ext cx="7095631" cy="365125"/>
           </a:xfrm>
           <a:prstGeom prst="rect">
             <a:avLst/>
@@ -2117,12 +2200,13 @@
           <a:bodyPr/>
           <a:lstStyle>
             <a:lvl1pPr marL="0" indent="0">
-              <a:spcBef>
-                <a:spcPts val="0"/>
-              </a:spcBef>
               <a:buNone/>
-              <a:defRPr sz="1200">
+              <a:defRPr lang="en-US" sz="1200" kern="1200" dirty="0">
+                <a:solidFill>
+                  <a:schemeClr val="tx1"/>
+                </a:solidFill>
                 <a:latin typeface="Arial" panose="020B0604020202020204" pitchFamily="34" charset="0"/>
+                <a:ea typeface="+mn-ea"/>
                 <a:cs typeface="Arial" panose="020B0604020202020204" pitchFamily="34" charset="0"/>
               </a:defRPr>
             </a:lvl1pPr>
@@ -2148,93 +2232,6 @@
             <a:r>
               <a:rPr lang="en-US" dirty="0"/>
               <a:t>Click to edit Master text styles</a:t>
-            </a:r>
-          </a:p>
-          <a:p>
-            <a:pPr lvl="0"/>
-            <a:endParaRPr lang="en-US" dirty="0"/>
-          </a:p>
-        </p:txBody>
-      </p:sp>
-      <p:sp>
-        <p:nvSpPr>
-          <p:cNvPr id="23" name="Text Placeholder 19">
-            <a:extLst>
-              <a:ext uri="{FF2B5EF4-FFF2-40B4-BE49-F238E27FC236}">
-                <a16:creationId xmlns:a16="http://schemas.microsoft.com/office/drawing/2014/main" id="{4B41F9F1-58CD-F7D7-C83B-FD4DC2C9D1AF}"/>
-              </a:ext>
-            </a:extLst>
-          </p:cNvPr>
-          <p:cNvSpPr>
-            <a:spLocks noGrp="1"/>
-          </p:cNvSpPr>
-          <p:nvPr>
-            <p:ph type="body" sz="quarter" idx="12"/>
-          </p:nvPr>
-        </p:nvSpPr>
-        <p:spPr>
-          <a:xfrm>
-            <a:off x="252000" y="1628999"/>
-            <a:ext cx="8640000" cy="4320000"/>
-          </a:xfrm>
-          <a:prstGeom prst="rect">
-            <a:avLst/>
-          </a:prstGeom>
-        </p:spPr>
-        <p:txBody>
-          <a:bodyPr/>
-          <a:lstStyle>
-            <a:lvl1pPr>
-              <a:lnSpc>
-                <a:spcPct val="100000"/>
-              </a:lnSpc>
-              <a:defRPr sz="2000">
-                <a:latin typeface="Arial" panose="020B0604020202020204" pitchFamily="34" charset="0"/>
-                <a:cs typeface="Arial" panose="020B0604020202020204" pitchFamily="34" charset="0"/>
-              </a:defRPr>
-            </a:lvl1pPr>
-            <a:lvl2pPr marL="685800" indent="-228600">
-              <a:lnSpc>
-                <a:spcPct val="100000"/>
-              </a:lnSpc>
-              <a:buFont typeface="Wingdings" panose="05000000000000000000" pitchFamily="2" charset="2"/>
-              <a:buChar char="§"/>
-              <a:defRPr sz="1800">
-                <a:latin typeface="Arial" panose="020B0604020202020204" pitchFamily="34" charset="0"/>
-                <a:cs typeface="Arial" panose="020B0604020202020204" pitchFamily="34" charset="0"/>
-              </a:defRPr>
-            </a:lvl2pPr>
-            <a:lvl3pPr>
-              <a:defRPr sz="1600">
-                <a:latin typeface="Times New Roman" panose="02020603050405020304" pitchFamily="18" charset="0"/>
-                <a:cs typeface="Times New Roman" panose="02020603050405020304" pitchFamily="18" charset="0"/>
-              </a:defRPr>
-            </a:lvl3pPr>
-            <a:lvl4pPr>
-              <a:defRPr>
-                <a:latin typeface="Times New Roman" panose="02020603050405020304" pitchFamily="18" charset="0"/>
-                <a:cs typeface="Times New Roman" panose="02020603050405020304" pitchFamily="18" charset="0"/>
-              </a:defRPr>
-            </a:lvl4pPr>
-            <a:lvl5pPr>
-              <a:defRPr>
-                <a:latin typeface="Times New Roman" panose="02020603050405020304" pitchFamily="18" charset="0"/>
-                <a:cs typeface="Times New Roman" panose="02020603050405020304" pitchFamily="18" charset="0"/>
-              </a:defRPr>
-            </a:lvl5pPr>
-          </a:lstStyle>
-          <a:p>
-            <a:pPr lvl="0"/>
-            <a:r>
-              <a:rPr lang="en-US" dirty="0"/>
-              <a:t>Click to edit Master text styles</a:t>
-            </a:r>
-          </a:p>
-          <a:p>
-            <a:pPr lvl="1"/>
-            <a:r>
-              <a:rPr lang="en-US" dirty="0"/>
-              <a:t>Second level</a:t>
             </a:r>
           </a:p>
         </p:txBody>
@@ -2663,10 +2660,10 @@
       </p:sp>
       <p:sp>
         <p:nvSpPr>
-          <p:cNvPr id="6" name="Content Placeholder 21">
-            <a:extLst>
-              <a:ext uri="{FF2B5EF4-FFF2-40B4-BE49-F238E27FC236}">
-                <a16:creationId xmlns:a16="http://schemas.microsoft.com/office/drawing/2014/main" id="{7C8762B6-D76D-171B-FA6D-48B7138EF20D}"/>
+          <p:cNvPr id="9" name="Content Placeholder 8">
+            <a:extLst>
+              <a:ext uri="{FF2B5EF4-FFF2-40B4-BE49-F238E27FC236}">
+                <a16:creationId xmlns:a16="http://schemas.microsoft.com/office/drawing/2014/main" id="{DE093067-1BFB-5A3B-6640-C3D9241F0A2A}"/>
               </a:ext>
             </a:extLst>
           </p:cNvPr>
@@ -2674,13 +2671,100 @@
             <a:spLocks noGrp="1"/>
           </p:cNvSpPr>
           <p:nvPr>
-            <p:ph sz="quarter" idx="11"/>
+            <p:ph sz="quarter" idx="18"/>
           </p:nvPr>
         </p:nvSpPr>
         <p:spPr>
           <a:xfrm>
-            <a:off x="0" y="6492877"/>
-            <a:ext cx="7086600" cy="365125"/>
+            <a:off x="252000" y="1283669"/>
+            <a:ext cx="2880000" cy="2160000"/>
+          </a:xfrm>
+          <a:prstGeom prst="rect">
+            <a:avLst/>
+          </a:prstGeom>
+        </p:spPr>
+        <p:txBody>
+          <a:bodyPr/>
+          <a:lstStyle>
+            <a:lvl1pPr marL="457200" indent="-457200">
+              <a:buFont typeface="Arial" panose="020B0604020202020204" pitchFamily="34" charset="0"/>
+              <a:buChar char="•"/>
+              <a:defRPr lang="en-US" sz="2000" kern="1200" dirty="0" smtClean="0">
+                <a:solidFill>
+                  <a:schemeClr val="tx1"/>
+                </a:solidFill>
+                <a:latin typeface="Arial" panose="020B0604020202020204" pitchFamily="34" charset="0"/>
+                <a:ea typeface="+mn-ea"/>
+                <a:cs typeface="Arial" panose="020B0604020202020204" pitchFamily="34" charset="0"/>
+              </a:defRPr>
+            </a:lvl1pPr>
+            <a:lvl2pPr>
+              <a:defRPr lang="en-US" sz="1800" kern="1200" dirty="0" smtClean="0">
+                <a:solidFill>
+                  <a:schemeClr val="tx1"/>
+                </a:solidFill>
+                <a:latin typeface="Arial" panose="020B0604020202020204" pitchFamily="34" charset="0"/>
+                <a:ea typeface="+mn-ea"/>
+                <a:cs typeface="Arial" panose="020B0604020202020204" pitchFamily="34" charset="0"/>
+              </a:defRPr>
+            </a:lvl2pPr>
+          </a:lstStyle>
+          <a:p>
+            <a:pPr lvl="0"/>
+            <a:r>
+              <a:rPr lang="en-US" dirty="0"/>
+              <a:t>Click to edit Master text styles</a:t>
+            </a:r>
+          </a:p>
+          <a:p>
+            <a:pPr marL="685800" marR="0" lvl="1" indent="-228600" algn="l" defTabSz="914400" rtl="0" eaLnBrk="1" fontAlgn="auto" latinLnBrk="0" hangingPunct="1">
+              <a:lnSpc>
+                <a:spcPct val="90000"/>
+              </a:lnSpc>
+              <a:spcBef>
+                <a:spcPts val="500"/>
+              </a:spcBef>
+              <a:spcAft>
+                <a:spcPts val="0"/>
+              </a:spcAft>
+              <a:buClrTx/>
+              <a:buSzTx/>
+              <a:buFont typeface="Wingdings" panose="05000000000000000000" pitchFamily="2" charset="2"/>
+              <a:buChar char="§"/>
+              <a:tabLst/>
+              <a:defRPr/>
+            </a:pPr>
+            <a:r>
+              <a:rPr lang="en-US" dirty="0"/>
+              <a:t>Click to edit Master text styles</a:t>
+            </a:r>
+          </a:p>
+          <a:p>
+            <a:pPr lvl="0"/>
+            <a:endParaRPr lang="en-US" dirty="0"/>
+          </a:p>
+        </p:txBody>
+      </p:sp>
+      <p:sp>
+        <p:nvSpPr>
+          <p:cNvPr id="3" name="Text Placeholder 2">
+            <a:extLst>
+              <a:ext uri="{FF2B5EF4-FFF2-40B4-BE49-F238E27FC236}">
+                <a16:creationId xmlns:a16="http://schemas.microsoft.com/office/drawing/2014/main" id="{F47C10F9-0EB8-38BF-60FC-30EF2E0C6A7D}"/>
+              </a:ext>
+            </a:extLst>
+          </p:cNvPr>
+          <p:cNvSpPr>
+            <a:spLocks noGrp="1"/>
+          </p:cNvSpPr>
+          <p:nvPr>
+            <p:ph type="body" sz="quarter" idx="13"/>
+          </p:nvPr>
+        </p:nvSpPr>
+        <p:spPr>
+          <a:xfrm>
+            <a:off x="-9031" y="6485890"/>
+            <a:ext cx="7095631" cy="365125"/>
           </a:xfrm>
           <a:prstGeom prst="rect">
             <a:avLst/>
@@ -2690,12 +2774,13 @@
           <a:bodyPr/>
           <a:lstStyle>
             <a:lvl1pPr marL="0" indent="0">
-              <a:spcBef>
-                <a:spcPts val="0"/>
-              </a:spcBef>
               <a:buNone/>
-              <a:defRPr sz="1200">
+              <a:defRPr lang="en-US" sz="1200" kern="1200" dirty="0">
+                <a:solidFill>
+                  <a:schemeClr val="tx1"/>
+                </a:solidFill>
                 <a:latin typeface="Arial" panose="020B0604020202020204" pitchFamily="34" charset="0"/>
+                <a:ea typeface="+mn-ea"/>
                 <a:cs typeface="Arial" panose="020B0604020202020204" pitchFamily="34" charset="0"/>
               </a:defRPr>
             </a:lvl1pPr>
@@ -2722,97 +2807,6 @@
               <a:rPr lang="en-US" dirty="0"/>
               <a:t>Click to edit Master text styles</a:t>
             </a:r>
-          </a:p>
-          <a:p>
-            <a:pPr lvl="0"/>
-            <a:endParaRPr lang="en-US" dirty="0"/>
-          </a:p>
-        </p:txBody>
-      </p:sp>
-      <p:sp>
-        <p:nvSpPr>
-          <p:cNvPr id="9" name="Content Placeholder 8">
-            <a:extLst>
-              <a:ext uri="{FF2B5EF4-FFF2-40B4-BE49-F238E27FC236}">
-                <a16:creationId xmlns:a16="http://schemas.microsoft.com/office/drawing/2014/main" id="{DE093067-1BFB-5A3B-6640-C3D9241F0A2A}"/>
-              </a:ext>
-            </a:extLst>
-          </p:cNvPr>
-          <p:cNvSpPr>
-            <a:spLocks noGrp="1"/>
-          </p:cNvSpPr>
-          <p:nvPr>
-            <p:ph sz="quarter" idx="18"/>
-          </p:nvPr>
-        </p:nvSpPr>
-        <p:spPr>
-          <a:xfrm>
-            <a:off x="252000" y="1283669"/>
-            <a:ext cx="2880000" cy="2160000"/>
-          </a:xfrm>
-          <a:prstGeom prst="rect">
-            <a:avLst/>
-          </a:prstGeom>
-        </p:spPr>
-        <p:txBody>
-          <a:bodyPr/>
-          <a:lstStyle>
-            <a:lvl1pPr marL="457200" indent="-457200">
-              <a:buFont typeface="Arial" panose="020B0604020202020204" pitchFamily="34" charset="0"/>
-              <a:buChar char="•"/>
-              <a:defRPr lang="en-US" sz="2000" kern="1200" dirty="0" smtClean="0">
-                <a:solidFill>
-                  <a:schemeClr val="tx1"/>
-                </a:solidFill>
-                <a:latin typeface="Arial" panose="020B0604020202020204" pitchFamily="34" charset="0"/>
-                <a:ea typeface="+mn-ea"/>
-                <a:cs typeface="Arial" panose="020B0604020202020204" pitchFamily="34" charset="0"/>
-              </a:defRPr>
-            </a:lvl1pPr>
-            <a:lvl2pPr>
-              <a:defRPr lang="en-US" sz="1800" kern="1200" dirty="0" smtClean="0">
-                <a:solidFill>
-                  <a:schemeClr val="tx1"/>
-                </a:solidFill>
-                <a:latin typeface="Arial" panose="020B0604020202020204" pitchFamily="34" charset="0"/>
-                <a:ea typeface="+mn-ea"/>
-                <a:cs typeface="Arial" panose="020B0604020202020204" pitchFamily="34" charset="0"/>
-              </a:defRPr>
-            </a:lvl2pPr>
-          </a:lstStyle>
-          <a:p>
-            <a:pPr lvl="0"/>
-            <a:r>
-              <a:rPr lang="en-US" dirty="0"/>
-              <a:t>Click to edit Master text styles</a:t>
-            </a:r>
-          </a:p>
-          <a:p>
-            <a:pPr marL="685800" marR="0" lvl="1" indent="-228600" algn="l" defTabSz="914400" rtl="0" eaLnBrk="1" fontAlgn="auto" latinLnBrk="0" hangingPunct="1">
-              <a:lnSpc>
-                <a:spcPct val="90000"/>
-              </a:lnSpc>
-              <a:spcBef>
-                <a:spcPts val="500"/>
-              </a:spcBef>
-              <a:spcAft>
-                <a:spcPts val="0"/>
-              </a:spcAft>
-              <a:buClrTx/>
-              <a:buSzTx/>
-              <a:buFont typeface="Wingdings" panose="05000000000000000000" pitchFamily="2" charset="2"/>
-              <a:buChar char="§"/>
-              <a:tabLst/>
-              <a:defRPr/>
-            </a:pPr>
-            <a:r>
-              <a:rPr lang="en-US" dirty="0"/>
-              <a:t>Click to edit Master text styles</a:t>
-            </a:r>
-          </a:p>
-          <a:p>
-            <a:pPr lvl="0"/>
-            <a:endParaRPr lang="en-US" dirty="0"/>
           </a:p>
         </p:txBody>
       </p:sp>
@@ -3331,10 +3325,10 @@
       </p:sp>
       <p:sp>
         <p:nvSpPr>
-          <p:cNvPr id="19" name="Content Placeholder 21">
-            <a:extLst>
-              <a:ext uri="{FF2B5EF4-FFF2-40B4-BE49-F238E27FC236}">
-                <a16:creationId xmlns:a16="http://schemas.microsoft.com/office/drawing/2014/main" id="{A191FF40-B4E1-6DBE-0491-138F55B7B376}"/>
+          <p:cNvPr id="2" name="Content Placeholder 8">
+            <a:extLst>
+              <a:ext uri="{FF2B5EF4-FFF2-40B4-BE49-F238E27FC236}">
+                <a16:creationId xmlns:a16="http://schemas.microsoft.com/office/drawing/2014/main" id="{C87882E0-0C65-8258-0B91-87945C54E9CA}"/>
               </a:ext>
             </a:extLst>
           </p:cNvPr>
@@ -3342,13 +3336,188 @@
             <a:spLocks noGrp="1"/>
           </p:cNvSpPr>
           <p:nvPr>
-            <p:ph sz="quarter" idx="15"/>
+            <p:ph sz="quarter" idx="22"/>
           </p:nvPr>
         </p:nvSpPr>
         <p:spPr>
           <a:xfrm>
-            <a:off x="0" y="6492877"/>
-            <a:ext cx="7086600" cy="365125"/>
+            <a:off x="252000" y="3815458"/>
+            <a:ext cx="2880000" cy="2160000"/>
+          </a:xfrm>
+          <a:prstGeom prst="rect">
+            <a:avLst/>
+          </a:prstGeom>
+        </p:spPr>
+        <p:txBody>
+          <a:bodyPr/>
+          <a:lstStyle>
+            <a:lvl1pPr marL="342900" indent="-342900">
+              <a:buFont typeface="Arial" panose="020B0604020202020204" pitchFamily="34" charset="0"/>
+              <a:buChar char="•"/>
+              <a:defRPr lang="en-US" sz="2000" kern="1200" dirty="0" smtClean="0">
+                <a:solidFill>
+                  <a:schemeClr val="tx1"/>
+                </a:solidFill>
+                <a:latin typeface="Arial" panose="020B0604020202020204" pitchFamily="34" charset="0"/>
+                <a:ea typeface="+mn-ea"/>
+                <a:cs typeface="Arial" panose="020B0604020202020204" pitchFamily="34" charset="0"/>
+              </a:defRPr>
+            </a:lvl1pPr>
+            <a:lvl2pPr>
+              <a:defRPr lang="en-US" sz="1800" kern="1200" dirty="0" smtClean="0">
+                <a:solidFill>
+                  <a:schemeClr val="tx1"/>
+                </a:solidFill>
+                <a:latin typeface="Arial" panose="020B0604020202020204" pitchFamily="34" charset="0"/>
+                <a:ea typeface="+mn-ea"/>
+                <a:cs typeface="Arial" panose="020B0604020202020204" pitchFamily="34" charset="0"/>
+              </a:defRPr>
+            </a:lvl2pPr>
+          </a:lstStyle>
+          <a:p>
+            <a:pPr lvl="0"/>
+            <a:r>
+              <a:rPr lang="en-US" dirty="0"/>
+              <a:t>Click to edit Master text styles</a:t>
+            </a:r>
+          </a:p>
+          <a:p>
+            <a:pPr marL="685800" marR="0" lvl="1" indent="-228600" algn="l" defTabSz="914400" rtl="0" eaLnBrk="1" fontAlgn="auto" latinLnBrk="0" hangingPunct="1">
+              <a:lnSpc>
+                <a:spcPct val="90000"/>
+              </a:lnSpc>
+              <a:spcBef>
+                <a:spcPts val="500"/>
+              </a:spcBef>
+              <a:spcAft>
+                <a:spcPts val="0"/>
+              </a:spcAft>
+              <a:buClrTx/>
+              <a:buSzTx/>
+              <a:buFont typeface="Wingdings" panose="05000000000000000000" pitchFamily="2" charset="2"/>
+              <a:buChar char="§"/>
+              <a:tabLst/>
+              <a:defRPr/>
+            </a:pPr>
+            <a:r>
+              <a:rPr lang="en-US" dirty="0"/>
+              <a:t>Click to edit Master text styles</a:t>
+            </a:r>
+          </a:p>
+          <a:p>
+            <a:pPr lvl="0"/>
+            <a:endParaRPr lang="en-US" dirty="0"/>
+          </a:p>
+        </p:txBody>
+      </p:sp>
+      <p:sp>
+        <p:nvSpPr>
+          <p:cNvPr id="3" name="Content Placeholder 8">
+            <a:extLst>
+              <a:ext uri="{FF2B5EF4-FFF2-40B4-BE49-F238E27FC236}">
+                <a16:creationId xmlns:a16="http://schemas.microsoft.com/office/drawing/2014/main" id="{8072C911-7D0A-7882-81F1-BA1621FB0EBE}"/>
+              </a:ext>
+            </a:extLst>
+          </p:cNvPr>
+          <p:cNvSpPr>
+            <a:spLocks noGrp="1"/>
+          </p:cNvSpPr>
+          <p:nvPr>
+            <p:ph sz="quarter" idx="18"/>
+          </p:nvPr>
+        </p:nvSpPr>
+        <p:spPr>
+          <a:xfrm>
+            <a:off x="252000" y="1283669"/>
+            <a:ext cx="2880000" cy="2160000"/>
+          </a:xfrm>
+          <a:prstGeom prst="rect">
+            <a:avLst/>
+          </a:prstGeom>
+        </p:spPr>
+        <p:txBody>
+          <a:bodyPr/>
+          <a:lstStyle>
+            <a:lvl1pPr marL="342900" indent="-342900">
+              <a:buFont typeface="Arial" panose="020B0604020202020204" pitchFamily="34" charset="0"/>
+              <a:buChar char="•"/>
+              <a:defRPr lang="en-US" sz="2000" kern="1200" dirty="0" smtClean="0">
+                <a:solidFill>
+                  <a:schemeClr val="tx1"/>
+                </a:solidFill>
+                <a:latin typeface="Arial" panose="020B0604020202020204" pitchFamily="34" charset="0"/>
+                <a:ea typeface="+mn-ea"/>
+                <a:cs typeface="Arial" panose="020B0604020202020204" pitchFamily="34" charset="0"/>
+              </a:defRPr>
+            </a:lvl1pPr>
+            <a:lvl2pPr marL="457200" indent="0">
+              <a:buNone/>
+              <a:defRPr lang="en-US" sz="1800" kern="1200" dirty="0" smtClean="0">
+                <a:solidFill>
+                  <a:schemeClr val="tx1"/>
+                </a:solidFill>
+                <a:latin typeface="Arial" panose="020B0604020202020204" pitchFamily="34" charset="0"/>
+                <a:ea typeface="+mn-ea"/>
+                <a:cs typeface="Arial" panose="020B0604020202020204" pitchFamily="34" charset="0"/>
+              </a:defRPr>
+            </a:lvl2pPr>
+          </a:lstStyle>
+          <a:p>
+            <a:pPr lvl="0"/>
+            <a:r>
+              <a:rPr lang="en-US" dirty="0"/>
+              <a:t>Click to edit Master text styles</a:t>
+            </a:r>
+          </a:p>
+          <a:p>
+            <a:pPr marL="685800" marR="0" lvl="1" indent="-228600" algn="l" defTabSz="914400" rtl="0" eaLnBrk="1" fontAlgn="auto" latinLnBrk="0" hangingPunct="1">
+              <a:lnSpc>
+                <a:spcPct val="90000"/>
+              </a:lnSpc>
+              <a:spcBef>
+                <a:spcPts val="500"/>
+              </a:spcBef>
+              <a:spcAft>
+                <a:spcPts val="0"/>
+              </a:spcAft>
+              <a:buClrTx/>
+              <a:buSzTx/>
+              <a:buFont typeface="Wingdings" panose="05000000000000000000" pitchFamily="2" charset="2"/>
+              <a:buChar char="§"/>
+              <a:tabLst/>
+              <a:defRPr/>
+            </a:pPr>
+            <a:r>
+              <a:rPr lang="en-US" dirty="0"/>
+              <a:t>Click to edit Master text styles</a:t>
+            </a:r>
+          </a:p>
+          <a:p>
+            <a:pPr lvl="0"/>
+            <a:endParaRPr lang="en-US" dirty="0"/>
+          </a:p>
+        </p:txBody>
+      </p:sp>
+      <p:sp>
+        <p:nvSpPr>
+          <p:cNvPr id="6" name="Text Placeholder 2">
+            <a:extLst>
+              <a:ext uri="{FF2B5EF4-FFF2-40B4-BE49-F238E27FC236}">
+                <a16:creationId xmlns:a16="http://schemas.microsoft.com/office/drawing/2014/main" id="{E754FE5C-C2DD-38B2-6B28-70D30D226950}"/>
+              </a:ext>
+            </a:extLst>
+          </p:cNvPr>
+          <p:cNvSpPr>
+            <a:spLocks noGrp="1"/>
+          </p:cNvSpPr>
+          <p:nvPr>
+            <p:ph type="body" sz="quarter" idx="13"/>
+          </p:nvPr>
+        </p:nvSpPr>
+        <p:spPr>
+          <a:xfrm>
+            <a:off x="-9031" y="6485890"/>
+            <a:ext cx="7095631" cy="365125"/>
           </a:xfrm>
           <a:prstGeom prst="rect">
             <a:avLst/>
@@ -3358,12 +3527,13 @@
           <a:bodyPr/>
           <a:lstStyle>
             <a:lvl1pPr marL="0" indent="0">
-              <a:spcBef>
-                <a:spcPts val="0"/>
-              </a:spcBef>
               <a:buNone/>
-              <a:defRPr sz="1200">
+              <a:defRPr lang="en-US" sz="1200" kern="1200" dirty="0">
+                <a:solidFill>
+                  <a:schemeClr val="tx1"/>
+                </a:solidFill>
                 <a:latin typeface="Arial" panose="020B0604020202020204" pitchFamily="34" charset="0"/>
+                <a:ea typeface="+mn-ea"/>
                 <a:cs typeface="Arial" panose="020B0604020202020204" pitchFamily="34" charset="0"/>
               </a:defRPr>
             </a:lvl1pPr>
@@ -3390,185 +3560,6 @@
               <a:rPr lang="en-US" dirty="0"/>
               <a:t>Click to edit Master text styles</a:t>
             </a:r>
-          </a:p>
-          <a:p>
-            <a:pPr lvl="0"/>
-            <a:endParaRPr lang="en-US" dirty="0"/>
-          </a:p>
-        </p:txBody>
-      </p:sp>
-      <p:sp>
-        <p:nvSpPr>
-          <p:cNvPr id="2" name="Content Placeholder 8">
-            <a:extLst>
-              <a:ext uri="{FF2B5EF4-FFF2-40B4-BE49-F238E27FC236}">
-                <a16:creationId xmlns:a16="http://schemas.microsoft.com/office/drawing/2014/main" id="{C87882E0-0C65-8258-0B91-87945C54E9CA}"/>
-              </a:ext>
-            </a:extLst>
-          </p:cNvPr>
-          <p:cNvSpPr>
-            <a:spLocks noGrp="1"/>
-          </p:cNvSpPr>
-          <p:nvPr>
-            <p:ph sz="quarter" idx="22"/>
-          </p:nvPr>
-        </p:nvSpPr>
-        <p:spPr>
-          <a:xfrm>
-            <a:off x="252000" y="3815458"/>
-            <a:ext cx="2880000" cy="2160000"/>
-          </a:xfrm>
-          <a:prstGeom prst="rect">
-            <a:avLst/>
-          </a:prstGeom>
-        </p:spPr>
-        <p:txBody>
-          <a:bodyPr/>
-          <a:lstStyle>
-            <a:lvl1pPr marL="342900" indent="-342900">
-              <a:buFont typeface="Arial" panose="020B0604020202020204" pitchFamily="34" charset="0"/>
-              <a:buChar char="•"/>
-              <a:defRPr lang="en-US" sz="2000" kern="1200" dirty="0" smtClean="0">
-                <a:solidFill>
-                  <a:schemeClr val="tx1"/>
-                </a:solidFill>
-                <a:latin typeface="Arial" panose="020B0604020202020204" pitchFamily="34" charset="0"/>
-                <a:ea typeface="+mn-ea"/>
-                <a:cs typeface="Arial" panose="020B0604020202020204" pitchFamily="34" charset="0"/>
-              </a:defRPr>
-            </a:lvl1pPr>
-            <a:lvl2pPr>
-              <a:defRPr lang="en-US" sz="1800" kern="1200" dirty="0" smtClean="0">
-                <a:solidFill>
-                  <a:schemeClr val="tx1"/>
-                </a:solidFill>
-                <a:latin typeface="Arial" panose="020B0604020202020204" pitchFamily="34" charset="0"/>
-                <a:ea typeface="+mn-ea"/>
-                <a:cs typeface="Arial" panose="020B0604020202020204" pitchFamily="34" charset="0"/>
-              </a:defRPr>
-            </a:lvl2pPr>
-          </a:lstStyle>
-          <a:p>
-            <a:pPr lvl="0"/>
-            <a:r>
-              <a:rPr lang="en-US" dirty="0"/>
-              <a:t>Click to edit Master text styles</a:t>
-            </a:r>
-          </a:p>
-          <a:p>
-            <a:pPr marL="685800" marR="0" lvl="1" indent="-228600" algn="l" defTabSz="914400" rtl="0" eaLnBrk="1" fontAlgn="auto" latinLnBrk="0" hangingPunct="1">
-              <a:lnSpc>
-                <a:spcPct val="90000"/>
-              </a:lnSpc>
-              <a:spcBef>
-                <a:spcPts val="500"/>
-              </a:spcBef>
-              <a:spcAft>
-                <a:spcPts val="0"/>
-              </a:spcAft>
-              <a:buClrTx/>
-              <a:buSzTx/>
-              <a:buFont typeface="Wingdings" panose="05000000000000000000" pitchFamily="2" charset="2"/>
-              <a:buChar char="§"/>
-              <a:tabLst/>
-              <a:defRPr/>
-            </a:pPr>
-            <a:r>
-              <a:rPr lang="en-US" dirty="0"/>
-              <a:t>Click to edit Master text styles</a:t>
-            </a:r>
-          </a:p>
-          <a:p>
-            <a:pPr lvl="0"/>
-            <a:endParaRPr lang="en-US" dirty="0"/>
-          </a:p>
-        </p:txBody>
-      </p:sp>
-      <p:sp>
-        <p:nvSpPr>
-          <p:cNvPr id="3" name="Content Placeholder 8">
-            <a:extLst>
-              <a:ext uri="{FF2B5EF4-FFF2-40B4-BE49-F238E27FC236}">
-                <a16:creationId xmlns:a16="http://schemas.microsoft.com/office/drawing/2014/main" id="{8072C911-7D0A-7882-81F1-BA1621FB0EBE}"/>
-              </a:ext>
-            </a:extLst>
-          </p:cNvPr>
-          <p:cNvSpPr>
-            <a:spLocks noGrp="1"/>
-          </p:cNvSpPr>
-          <p:nvPr>
-            <p:ph sz="quarter" idx="18"/>
-          </p:nvPr>
-        </p:nvSpPr>
-        <p:spPr>
-          <a:xfrm>
-            <a:off x="252000" y="1283669"/>
-            <a:ext cx="2880000" cy="2160000"/>
-          </a:xfrm>
-          <a:prstGeom prst="rect">
-            <a:avLst/>
-          </a:prstGeom>
-        </p:spPr>
-        <p:txBody>
-          <a:bodyPr/>
-          <a:lstStyle>
-            <a:lvl1pPr marL="342900" indent="-342900">
-              <a:buFont typeface="Arial" panose="020B0604020202020204" pitchFamily="34" charset="0"/>
-              <a:buChar char="•"/>
-              <a:defRPr lang="en-US" sz="2000" kern="1200" dirty="0" smtClean="0">
-                <a:solidFill>
-                  <a:schemeClr val="tx1"/>
-                </a:solidFill>
-                <a:latin typeface="Arial" panose="020B0604020202020204" pitchFamily="34" charset="0"/>
-                <a:ea typeface="+mn-ea"/>
-                <a:cs typeface="Arial" panose="020B0604020202020204" pitchFamily="34" charset="0"/>
-              </a:defRPr>
-            </a:lvl1pPr>
-            <a:lvl2pPr marL="457200" indent="0">
-              <a:buNone/>
-              <a:defRPr lang="en-US" sz="1800" kern="1200" dirty="0" smtClean="0">
-                <a:solidFill>
-                  <a:schemeClr val="tx1"/>
-                </a:solidFill>
-                <a:latin typeface="Arial" panose="020B0604020202020204" pitchFamily="34" charset="0"/>
-                <a:ea typeface="+mn-ea"/>
-                <a:cs typeface="Arial" panose="020B0604020202020204" pitchFamily="34" charset="0"/>
-              </a:defRPr>
-            </a:lvl2pPr>
-          </a:lstStyle>
-          <a:p>
-            <a:pPr lvl="0"/>
-            <a:r>
-              <a:rPr lang="en-US" dirty="0"/>
-              <a:t>Click to edit Master text styles</a:t>
-            </a:r>
-          </a:p>
-          <a:p>
-            <a:pPr marL="685800" marR="0" lvl="1" indent="-228600" algn="l" defTabSz="914400" rtl="0" eaLnBrk="1" fontAlgn="auto" latinLnBrk="0" hangingPunct="1">
-              <a:lnSpc>
-                <a:spcPct val="90000"/>
-              </a:lnSpc>
-              <a:spcBef>
-                <a:spcPts val="500"/>
-              </a:spcBef>
-              <a:spcAft>
-                <a:spcPts val="0"/>
-              </a:spcAft>
-              <a:buClrTx/>
-              <a:buSzTx/>
-              <a:buFont typeface="Wingdings" panose="05000000000000000000" pitchFamily="2" charset="2"/>
-              <a:buChar char="§"/>
-              <a:tabLst/>
-              <a:defRPr/>
-            </a:pPr>
-            <a:r>
-              <a:rPr lang="en-US" dirty="0"/>
-              <a:t>Click to edit Master text styles</a:t>
-            </a:r>
-          </a:p>
-          <a:p>
-            <a:pPr lvl="0"/>
-            <a:endParaRPr lang="en-US" dirty="0"/>
           </a:p>
         </p:txBody>
       </p:sp>
@@ -3810,10 +3801,10 @@
       </p:sp>
       <p:sp>
         <p:nvSpPr>
-          <p:cNvPr id="19" name="Content Placeholder 21">
-            <a:extLst>
-              <a:ext uri="{FF2B5EF4-FFF2-40B4-BE49-F238E27FC236}">
-                <a16:creationId xmlns:a16="http://schemas.microsoft.com/office/drawing/2014/main" id="{A191FF40-B4E1-6DBE-0491-138F55B7B376}"/>
+          <p:cNvPr id="28" name="Text Placeholder 19">
+            <a:extLst>
+              <a:ext uri="{FF2B5EF4-FFF2-40B4-BE49-F238E27FC236}">
+                <a16:creationId xmlns:a16="http://schemas.microsoft.com/office/drawing/2014/main" id="{413855C3-C2FA-D216-3E89-66945928B4BD}"/>
               </a:ext>
             </a:extLst>
           </p:cNvPr>
@@ -3821,13 +3812,290 @@
             <a:spLocks noGrp="1"/>
           </p:cNvSpPr>
           <p:nvPr>
-            <p:ph sz="quarter" idx="15"/>
+            <p:ph type="body" sz="quarter" idx="22"/>
           </p:nvPr>
         </p:nvSpPr>
         <p:spPr>
           <a:xfrm>
-            <a:off x="0" y="6492877"/>
-            <a:ext cx="7086600" cy="365125"/>
+            <a:off x="168000" y="4722216"/>
+            <a:ext cx="8808000" cy="1571904"/>
+          </a:xfrm>
+          <a:prstGeom prst="rect">
+            <a:avLst/>
+          </a:prstGeom>
+        </p:spPr>
+        <p:txBody>
+          <a:bodyPr/>
+          <a:lstStyle>
+            <a:lvl1pPr>
+              <a:lnSpc>
+                <a:spcPct val="100000"/>
+              </a:lnSpc>
+              <a:defRPr sz="2000">
+                <a:latin typeface="Arial" panose="020B0604020202020204" pitchFamily="34" charset="0"/>
+                <a:cs typeface="Arial" panose="020B0604020202020204" pitchFamily="34" charset="0"/>
+              </a:defRPr>
+            </a:lvl1pPr>
+            <a:lvl2pPr marL="685800" indent="-228600">
+              <a:lnSpc>
+                <a:spcPct val="100000"/>
+              </a:lnSpc>
+              <a:buFont typeface="Wingdings" panose="05000000000000000000" pitchFamily="2" charset="2"/>
+              <a:buChar char="§"/>
+              <a:defRPr sz="1800">
+                <a:latin typeface="Arial" panose="020B0604020202020204" pitchFamily="34" charset="0"/>
+                <a:cs typeface="Arial" panose="020B0604020202020204" pitchFamily="34" charset="0"/>
+              </a:defRPr>
+            </a:lvl2pPr>
+            <a:lvl3pPr>
+              <a:defRPr sz="2000">
+                <a:latin typeface="Times New Roman" panose="02020603050405020304" pitchFamily="18" charset="0"/>
+                <a:cs typeface="Times New Roman" panose="02020603050405020304" pitchFamily="18" charset="0"/>
+              </a:defRPr>
+            </a:lvl3pPr>
+            <a:lvl4pPr>
+              <a:defRPr sz="2000">
+                <a:latin typeface="Times New Roman" panose="02020603050405020304" pitchFamily="18" charset="0"/>
+                <a:cs typeface="Times New Roman" panose="02020603050405020304" pitchFamily="18" charset="0"/>
+              </a:defRPr>
+            </a:lvl4pPr>
+            <a:lvl5pPr>
+              <a:defRPr sz="2000">
+                <a:latin typeface="Times New Roman" panose="02020603050405020304" pitchFamily="18" charset="0"/>
+                <a:cs typeface="Times New Roman" panose="02020603050405020304" pitchFamily="18" charset="0"/>
+              </a:defRPr>
+            </a:lvl5pPr>
+          </a:lstStyle>
+          <a:p>
+            <a:pPr lvl="0"/>
+            <a:r>
+              <a:rPr lang="en-US" dirty="0"/>
+              <a:t>Click to edit Master text styles</a:t>
+            </a:r>
+          </a:p>
+          <a:p>
+            <a:pPr marL="685800" marR="0" lvl="1" indent="-228600" algn="l" defTabSz="914400" rtl="0" eaLnBrk="1" fontAlgn="auto" latinLnBrk="0" hangingPunct="1">
+              <a:lnSpc>
+                <a:spcPct val="90000"/>
+              </a:lnSpc>
+              <a:spcBef>
+                <a:spcPts val="500"/>
+              </a:spcBef>
+              <a:spcAft>
+                <a:spcPts val="0"/>
+              </a:spcAft>
+              <a:buClrTx/>
+              <a:buSzTx/>
+              <a:buFont typeface="Wingdings" panose="05000000000000000000" pitchFamily="2" charset="2"/>
+              <a:buChar char="§"/>
+              <a:tabLst/>
+              <a:defRPr/>
+            </a:pPr>
+            <a:r>
+              <a:rPr lang="en-US" dirty="0"/>
+              <a:t>Click to edit Master text styles</a:t>
+            </a:r>
+          </a:p>
+          <a:p>
+            <a:pPr lvl="1"/>
+            <a:endParaRPr lang="en-US" dirty="0"/>
+          </a:p>
+        </p:txBody>
+      </p:sp>
+      <p:sp>
+        <p:nvSpPr>
+          <p:cNvPr id="35" name="Content Placeholder 8">
+            <a:extLst>
+              <a:ext uri="{FF2B5EF4-FFF2-40B4-BE49-F238E27FC236}">
+                <a16:creationId xmlns:a16="http://schemas.microsoft.com/office/drawing/2014/main" id="{C77D2797-4B82-C918-3DDC-6235532EBD4B}"/>
+              </a:ext>
+            </a:extLst>
+          </p:cNvPr>
+          <p:cNvSpPr>
+            <a:spLocks noGrp="1"/>
+          </p:cNvSpPr>
+          <p:nvPr>
+            <p:ph sz="quarter" idx="24"/>
+          </p:nvPr>
+        </p:nvSpPr>
+        <p:spPr>
+          <a:xfrm>
+            <a:off x="168000" y="1283669"/>
+            <a:ext cx="4320000" cy="3240000"/>
+          </a:xfrm>
+          <a:prstGeom prst="rect">
+            <a:avLst/>
+          </a:prstGeom>
+        </p:spPr>
+        <p:txBody>
+          <a:bodyPr/>
+          <a:lstStyle>
+            <a:lvl1pPr marL="342900" indent="-342900">
+              <a:buFont typeface="Arial" panose="020B0604020202020204" pitchFamily="34" charset="0"/>
+              <a:buChar char="•"/>
+              <a:defRPr lang="en-US" sz="2000" kern="1200" dirty="0" smtClean="0">
+                <a:solidFill>
+                  <a:schemeClr val="tx1"/>
+                </a:solidFill>
+                <a:latin typeface="Arial" panose="020B0604020202020204" pitchFamily="34" charset="0"/>
+                <a:ea typeface="+mn-ea"/>
+                <a:cs typeface="Arial" panose="020B0604020202020204" pitchFamily="34" charset="0"/>
+              </a:defRPr>
+            </a:lvl1pPr>
+            <a:lvl2pPr>
+              <a:defRPr lang="en-US" sz="1800" kern="1200" dirty="0" smtClean="0">
+                <a:solidFill>
+                  <a:schemeClr val="tx1"/>
+                </a:solidFill>
+                <a:latin typeface="Arial" panose="020B0604020202020204" pitchFamily="34" charset="0"/>
+                <a:ea typeface="+mn-ea"/>
+                <a:cs typeface="Arial" panose="020B0604020202020204" pitchFamily="34" charset="0"/>
+              </a:defRPr>
+            </a:lvl2pPr>
+          </a:lstStyle>
+          <a:p>
+            <a:pPr lvl="0"/>
+            <a:r>
+              <a:rPr lang="en-US" dirty="0"/>
+              <a:t>Click to edit Master text styles</a:t>
+            </a:r>
+          </a:p>
+          <a:p>
+            <a:pPr marL="685800" marR="0" lvl="1" indent="-228600" algn="l" defTabSz="914400" rtl="0" eaLnBrk="1" fontAlgn="auto" latinLnBrk="0" hangingPunct="1">
+              <a:lnSpc>
+                <a:spcPct val="90000"/>
+              </a:lnSpc>
+              <a:spcBef>
+                <a:spcPts val="500"/>
+              </a:spcBef>
+              <a:spcAft>
+                <a:spcPts val="0"/>
+              </a:spcAft>
+              <a:buClrTx/>
+              <a:buSzTx/>
+              <a:buFont typeface="Wingdings" panose="05000000000000000000" pitchFamily="2" charset="2"/>
+              <a:buChar char="§"/>
+              <a:tabLst/>
+              <a:defRPr/>
+            </a:pPr>
+            <a:r>
+              <a:rPr lang="en-US" dirty="0"/>
+              <a:t>Click to edit Master text styles</a:t>
+            </a:r>
+          </a:p>
+          <a:p>
+            <a:pPr lvl="0"/>
+            <a:endParaRPr lang="en-US" dirty="0"/>
+          </a:p>
+        </p:txBody>
+      </p:sp>
+      <p:sp>
+        <p:nvSpPr>
+          <p:cNvPr id="36" name="Content Placeholder 8">
+            <a:extLst>
+              <a:ext uri="{FF2B5EF4-FFF2-40B4-BE49-F238E27FC236}">
+                <a16:creationId xmlns:a16="http://schemas.microsoft.com/office/drawing/2014/main" id="{8A267F55-A400-8A75-738F-E504DDC9CD38}"/>
+              </a:ext>
+            </a:extLst>
+          </p:cNvPr>
+          <p:cNvSpPr>
+            <a:spLocks noGrp="1"/>
+          </p:cNvSpPr>
+          <p:nvPr>
+            <p:ph sz="quarter" idx="25"/>
+          </p:nvPr>
+        </p:nvSpPr>
+        <p:spPr>
+          <a:xfrm>
+            <a:off x="4656000" y="1283669"/>
+            <a:ext cx="4320000" cy="3240000"/>
+          </a:xfrm>
+          <a:prstGeom prst="rect">
+            <a:avLst/>
+          </a:prstGeom>
+        </p:spPr>
+        <p:txBody>
+          <a:bodyPr/>
+          <a:lstStyle>
+            <a:lvl1pPr marL="342900" indent="-342900">
+              <a:buFont typeface="Arial" panose="020B0604020202020204" pitchFamily="34" charset="0"/>
+              <a:buChar char="•"/>
+              <a:defRPr lang="en-US" sz="2000" kern="1200" dirty="0" smtClean="0">
+                <a:solidFill>
+                  <a:schemeClr val="tx1"/>
+                </a:solidFill>
+                <a:latin typeface="Arial" panose="020B0604020202020204" pitchFamily="34" charset="0"/>
+                <a:ea typeface="+mn-ea"/>
+                <a:cs typeface="Arial" panose="020B0604020202020204" pitchFamily="34" charset="0"/>
+              </a:defRPr>
+            </a:lvl1pPr>
+            <a:lvl2pPr marL="685800" indent="-228600">
+              <a:defRPr lang="en-US" sz="1800" kern="1200" dirty="0" smtClean="0">
+                <a:solidFill>
+                  <a:schemeClr val="tx1"/>
+                </a:solidFill>
+                <a:latin typeface="Arial" panose="020B0604020202020204" pitchFamily="34" charset="0"/>
+                <a:ea typeface="+mn-ea"/>
+                <a:cs typeface="Arial" panose="020B0604020202020204" pitchFamily="34" charset="0"/>
+              </a:defRPr>
+            </a:lvl2pPr>
+          </a:lstStyle>
+          <a:p>
+            <a:pPr lvl="0"/>
+            <a:r>
+              <a:rPr lang="en-US" dirty="0"/>
+              <a:t>Click to edit Master text styles</a:t>
+            </a:r>
+          </a:p>
+          <a:p>
+            <a:pPr marL="685800" marR="0" lvl="1" indent="-228600" algn="l" defTabSz="914400" rtl="0" eaLnBrk="1" fontAlgn="auto" latinLnBrk="0" hangingPunct="1">
+              <a:lnSpc>
+                <a:spcPct val="90000"/>
+              </a:lnSpc>
+              <a:spcBef>
+                <a:spcPts val="500"/>
+              </a:spcBef>
+              <a:spcAft>
+                <a:spcPts val="0"/>
+              </a:spcAft>
+              <a:buClrTx/>
+              <a:buSzTx/>
+              <a:buFont typeface="Wingdings" panose="05000000000000000000" pitchFamily="2" charset="2"/>
+              <a:buChar char="§"/>
+              <a:tabLst/>
+              <a:defRPr/>
+            </a:pPr>
+            <a:r>
+              <a:rPr lang="en-US" dirty="0"/>
+              <a:t>Click to edit Master text styles</a:t>
+            </a:r>
+          </a:p>
+          <a:p>
+            <a:pPr lvl="0"/>
+            <a:endParaRPr lang="en-US" dirty="0"/>
+          </a:p>
+        </p:txBody>
+      </p:sp>
+      <p:sp>
+        <p:nvSpPr>
+          <p:cNvPr id="2" name="Text Placeholder 2">
+            <a:extLst>
+              <a:ext uri="{FF2B5EF4-FFF2-40B4-BE49-F238E27FC236}">
+                <a16:creationId xmlns:a16="http://schemas.microsoft.com/office/drawing/2014/main" id="{0E1355E8-9258-9090-3CFF-713A78ED9DDE}"/>
+              </a:ext>
+            </a:extLst>
+          </p:cNvPr>
+          <p:cNvSpPr>
+            <a:spLocks noGrp="1"/>
+          </p:cNvSpPr>
+          <p:nvPr>
+            <p:ph type="body" sz="quarter" idx="13"/>
+          </p:nvPr>
+        </p:nvSpPr>
+        <p:spPr>
+          <a:xfrm>
+            <a:off x="-9031" y="6485890"/>
+            <a:ext cx="7095631" cy="365125"/>
           </a:xfrm>
           <a:prstGeom prst="rect">
             <a:avLst/>
@@ -3837,12 +4105,13 @@
           <a:bodyPr/>
           <a:lstStyle>
             <a:lvl1pPr marL="0" indent="0">
-              <a:spcBef>
-                <a:spcPts val="0"/>
-              </a:spcBef>
               <a:buNone/>
-              <a:defRPr sz="1200">
+              <a:defRPr lang="en-US" sz="1200" kern="1200" dirty="0">
+                <a:solidFill>
+                  <a:schemeClr val="tx1"/>
+                </a:solidFill>
                 <a:latin typeface="Arial" panose="020B0604020202020204" pitchFamily="34" charset="0"/>
+                <a:ea typeface="+mn-ea"/>
                 <a:cs typeface="Arial" panose="020B0604020202020204" pitchFamily="34" charset="0"/>
               </a:defRPr>
             </a:lvl1pPr>
@@ -3869,287 +4138,6 @@
               <a:rPr lang="en-US" dirty="0"/>
               <a:t>Click to edit Master text styles</a:t>
             </a:r>
-          </a:p>
-          <a:p>
-            <a:pPr lvl="0"/>
-            <a:endParaRPr lang="en-US" dirty="0"/>
-          </a:p>
-        </p:txBody>
-      </p:sp>
-      <p:sp>
-        <p:nvSpPr>
-          <p:cNvPr id="28" name="Text Placeholder 19">
-            <a:extLst>
-              <a:ext uri="{FF2B5EF4-FFF2-40B4-BE49-F238E27FC236}">
-                <a16:creationId xmlns:a16="http://schemas.microsoft.com/office/drawing/2014/main" id="{413855C3-C2FA-D216-3E89-66945928B4BD}"/>
-              </a:ext>
-            </a:extLst>
-          </p:cNvPr>
-          <p:cNvSpPr>
-            <a:spLocks noGrp="1"/>
-          </p:cNvSpPr>
-          <p:nvPr>
-            <p:ph type="body" sz="quarter" idx="22"/>
-          </p:nvPr>
-        </p:nvSpPr>
-        <p:spPr>
-          <a:xfrm>
-            <a:off x="168000" y="4722216"/>
-            <a:ext cx="8808000" cy="1571904"/>
-          </a:xfrm>
-          <a:prstGeom prst="rect">
-            <a:avLst/>
-          </a:prstGeom>
-        </p:spPr>
-        <p:txBody>
-          <a:bodyPr/>
-          <a:lstStyle>
-            <a:lvl1pPr>
-              <a:lnSpc>
-                <a:spcPct val="100000"/>
-              </a:lnSpc>
-              <a:defRPr sz="2000">
-                <a:latin typeface="Arial" panose="020B0604020202020204" pitchFamily="34" charset="0"/>
-                <a:cs typeface="Arial" panose="020B0604020202020204" pitchFamily="34" charset="0"/>
-              </a:defRPr>
-            </a:lvl1pPr>
-            <a:lvl2pPr marL="685800" indent="-228600">
-              <a:lnSpc>
-                <a:spcPct val="100000"/>
-              </a:lnSpc>
-              <a:buFont typeface="Wingdings" panose="05000000000000000000" pitchFamily="2" charset="2"/>
-              <a:buChar char="§"/>
-              <a:defRPr sz="1800">
-                <a:latin typeface="Arial" panose="020B0604020202020204" pitchFamily="34" charset="0"/>
-                <a:cs typeface="Arial" panose="020B0604020202020204" pitchFamily="34" charset="0"/>
-              </a:defRPr>
-            </a:lvl2pPr>
-            <a:lvl3pPr>
-              <a:defRPr sz="2000">
-                <a:latin typeface="Times New Roman" panose="02020603050405020304" pitchFamily="18" charset="0"/>
-                <a:cs typeface="Times New Roman" panose="02020603050405020304" pitchFamily="18" charset="0"/>
-              </a:defRPr>
-            </a:lvl3pPr>
-            <a:lvl4pPr>
-              <a:defRPr sz="2000">
-                <a:latin typeface="Times New Roman" panose="02020603050405020304" pitchFamily="18" charset="0"/>
-                <a:cs typeface="Times New Roman" panose="02020603050405020304" pitchFamily="18" charset="0"/>
-              </a:defRPr>
-            </a:lvl4pPr>
-            <a:lvl5pPr>
-              <a:defRPr sz="2000">
-                <a:latin typeface="Times New Roman" panose="02020603050405020304" pitchFamily="18" charset="0"/>
-                <a:cs typeface="Times New Roman" panose="02020603050405020304" pitchFamily="18" charset="0"/>
-              </a:defRPr>
-            </a:lvl5pPr>
-          </a:lstStyle>
-          <a:p>
-            <a:pPr lvl="0"/>
-            <a:r>
-              <a:rPr lang="en-US" dirty="0"/>
-              <a:t>Click to edit Master text styles</a:t>
-            </a:r>
-          </a:p>
-          <a:p>
-            <a:pPr marL="685800" marR="0" lvl="1" indent="-228600" algn="l" defTabSz="914400" rtl="0" eaLnBrk="1" fontAlgn="auto" latinLnBrk="0" hangingPunct="1">
-              <a:lnSpc>
-                <a:spcPct val="90000"/>
-              </a:lnSpc>
-              <a:spcBef>
-                <a:spcPts val="500"/>
-              </a:spcBef>
-              <a:spcAft>
-                <a:spcPts val="0"/>
-              </a:spcAft>
-              <a:buClrTx/>
-              <a:buSzTx/>
-              <a:buFont typeface="Wingdings" panose="05000000000000000000" pitchFamily="2" charset="2"/>
-              <a:buChar char="§"/>
-              <a:tabLst/>
-              <a:defRPr/>
-            </a:pPr>
-            <a:r>
-              <a:rPr lang="en-US" dirty="0"/>
-              <a:t>Click to edit Master text styles</a:t>
-            </a:r>
-          </a:p>
-          <a:p>
-            <a:pPr lvl="1"/>
-            <a:endParaRPr lang="en-US" dirty="0"/>
-          </a:p>
-        </p:txBody>
-      </p:sp>
-      <p:sp>
-        <p:nvSpPr>
-          <p:cNvPr id="35" name="Content Placeholder 8">
-            <a:extLst>
-              <a:ext uri="{FF2B5EF4-FFF2-40B4-BE49-F238E27FC236}">
-                <a16:creationId xmlns:a16="http://schemas.microsoft.com/office/drawing/2014/main" id="{C77D2797-4B82-C918-3DDC-6235532EBD4B}"/>
-              </a:ext>
-            </a:extLst>
-          </p:cNvPr>
-          <p:cNvSpPr>
-            <a:spLocks noGrp="1"/>
-          </p:cNvSpPr>
-          <p:nvPr>
-            <p:ph sz="quarter" idx="24"/>
-          </p:nvPr>
-        </p:nvSpPr>
-        <p:spPr>
-          <a:xfrm>
-            <a:off x="168000" y="1283669"/>
-            <a:ext cx="4320000" cy="3240000"/>
-          </a:xfrm>
-          <a:prstGeom prst="rect">
-            <a:avLst/>
-          </a:prstGeom>
-        </p:spPr>
-        <p:txBody>
-          <a:bodyPr/>
-          <a:lstStyle>
-            <a:lvl1pPr marL="342900" indent="-342900">
-              <a:buFont typeface="Arial" panose="020B0604020202020204" pitchFamily="34" charset="0"/>
-              <a:buChar char="•"/>
-              <a:defRPr lang="en-US" sz="2000" kern="1200" dirty="0" smtClean="0">
-                <a:solidFill>
-                  <a:schemeClr val="tx1"/>
-                </a:solidFill>
-                <a:latin typeface="Arial" panose="020B0604020202020204" pitchFamily="34" charset="0"/>
-                <a:ea typeface="+mn-ea"/>
-                <a:cs typeface="Arial" panose="020B0604020202020204" pitchFamily="34" charset="0"/>
-              </a:defRPr>
-            </a:lvl1pPr>
-            <a:lvl2pPr>
-              <a:defRPr lang="en-US" sz="1800" kern="1200" dirty="0" smtClean="0">
-                <a:solidFill>
-                  <a:schemeClr val="tx1"/>
-                </a:solidFill>
-                <a:latin typeface="Arial" panose="020B0604020202020204" pitchFamily="34" charset="0"/>
-                <a:ea typeface="+mn-ea"/>
-                <a:cs typeface="Arial" panose="020B0604020202020204" pitchFamily="34" charset="0"/>
-              </a:defRPr>
-            </a:lvl2pPr>
-          </a:lstStyle>
-          <a:p>
-            <a:pPr lvl="0"/>
-            <a:r>
-              <a:rPr lang="en-US" dirty="0"/>
-              <a:t>Click to edit Master text styles</a:t>
-            </a:r>
-          </a:p>
-          <a:p>
-            <a:pPr marL="685800" marR="0" lvl="1" indent="-228600" algn="l" defTabSz="914400" rtl="0" eaLnBrk="1" fontAlgn="auto" latinLnBrk="0" hangingPunct="1">
-              <a:lnSpc>
-                <a:spcPct val="90000"/>
-              </a:lnSpc>
-              <a:spcBef>
-                <a:spcPts val="500"/>
-              </a:spcBef>
-              <a:spcAft>
-                <a:spcPts val="0"/>
-              </a:spcAft>
-              <a:buClrTx/>
-              <a:buSzTx/>
-              <a:buFont typeface="Wingdings" panose="05000000000000000000" pitchFamily="2" charset="2"/>
-              <a:buChar char="§"/>
-              <a:tabLst/>
-              <a:defRPr/>
-            </a:pPr>
-            <a:r>
-              <a:rPr lang="en-US" dirty="0"/>
-              <a:t>Click to edit Master text styles</a:t>
-            </a:r>
-          </a:p>
-          <a:p>
-            <a:pPr lvl="0"/>
-            <a:endParaRPr lang="en-US" dirty="0"/>
-          </a:p>
-        </p:txBody>
-      </p:sp>
-      <p:sp>
-        <p:nvSpPr>
-          <p:cNvPr id="36" name="Content Placeholder 8">
-            <a:extLst>
-              <a:ext uri="{FF2B5EF4-FFF2-40B4-BE49-F238E27FC236}">
-                <a16:creationId xmlns:a16="http://schemas.microsoft.com/office/drawing/2014/main" id="{8A267F55-A400-8A75-738F-E504DDC9CD38}"/>
-              </a:ext>
-            </a:extLst>
-          </p:cNvPr>
-          <p:cNvSpPr>
-            <a:spLocks noGrp="1"/>
-          </p:cNvSpPr>
-          <p:nvPr>
-            <p:ph sz="quarter" idx="25"/>
-          </p:nvPr>
-        </p:nvSpPr>
-        <p:spPr>
-          <a:xfrm>
-            <a:off x="4656000" y="1283669"/>
-            <a:ext cx="4320000" cy="3240000"/>
-          </a:xfrm>
-          <a:prstGeom prst="rect">
-            <a:avLst/>
-          </a:prstGeom>
-        </p:spPr>
-        <p:txBody>
-          <a:bodyPr/>
-          <a:lstStyle>
-            <a:lvl1pPr marL="342900" indent="-342900">
-              <a:buFont typeface="Arial" panose="020B0604020202020204" pitchFamily="34" charset="0"/>
-              <a:buChar char="•"/>
-              <a:defRPr lang="en-US" sz="2000" kern="1200" dirty="0" smtClean="0">
-                <a:solidFill>
-                  <a:schemeClr val="tx1"/>
-                </a:solidFill>
-                <a:latin typeface="Arial" panose="020B0604020202020204" pitchFamily="34" charset="0"/>
-                <a:ea typeface="+mn-ea"/>
-                <a:cs typeface="Arial" panose="020B0604020202020204" pitchFamily="34" charset="0"/>
-              </a:defRPr>
-            </a:lvl1pPr>
-            <a:lvl2pPr marL="685800" indent="-228600">
-              <a:defRPr lang="en-US" sz="1800" kern="1200" dirty="0" smtClean="0">
-                <a:solidFill>
-                  <a:schemeClr val="tx1"/>
-                </a:solidFill>
-                <a:latin typeface="Arial" panose="020B0604020202020204" pitchFamily="34" charset="0"/>
-                <a:ea typeface="+mn-ea"/>
-                <a:cs typeface="Arial" panose="020B0604020202020204" pitchFamily="34" charset="0"/>
-              </a:defRPr>
-            </a:lvl2pPr>
-          </a:lstStyle>
-          <a:p>
-            <a:pPr lvl="0"/>
-            <a:r>
-              <a:rPr lang="en-US" dirty="0"/>
-              <a:t>Click to edit Master text styles</a:t>
-            </a:r>
-          </a:p>
-          <a:p>
-            <a:pPr marL="685800" marR="0" lvl="1" indent="-228600" algn="l" defTabSz="914400" rtl="0" eaLnBrk="1" fontAlgn="auto" latinLnBrk="0" hangingPunct="1">
-              <a:lnSpc>
-                <a:spcPct val="90000"/>
-              </a:lnSpc>
-              <a:spcBef>
-                <a:spcPts val="500"/>
-              </a:spcBef>
-              <a:spcAft>
-                <a:spcPts val="0"/>
-              </a:spcAft>
-              <a:buClrTx/>
-              <a:buSzTx/>
-              <a:buFont typeface="Wingdings" panose="05000000000000000000" pitchFamily="2" charset="2"/>
-              <a:buChar char="§"/>
-              <a:tabLst/>
-              <a:defRPr/>
-            </a:pPr>
-            <a:r>
-              <a:rPr lang="en-US" dirty="0"/>
-              <a:t>Click to edit Master text styles</a:t>
-            </a:r>
-          </a:p>
-          <a:p>
-            <a:pPr lvl="0"/>
-            <a:endParaRPr lang="en-US" dirty="0"/>
           </a:p>
         </p:txBody>
       </p:sp>
@@ -4391,74 +4379,6 @@
       </p:sp>
       <p:sp>
         <p:nvSpPr>
-          <p:cNvPr id="19" name="Content Placeholder 21">
-            <a:extLst>
-              <a:ext uri="{FF2B5EF4-FFF2-40B4-BE49-F238E27FC236}">
-                <a16:creationId xmlns:a16="http://schemas.microsoft.com/office/drawing/2014/main" id="{A191FF40-B4E1-6DBE-0491-138F55B7B376}"/>
-              </a:ext>
-            </a:extLst>
-          </p:cNvPr>
-          <p:cNvSpPr>
-            <a:spLocks noGrp="1"/>
-          </p:cNvSpPr>
-          <p:nvPr>
-            <p:ph sz="quarter" idx="15"/>
-          </p:nvPr>
-        </p:nvSpPr>
-        <p:spPr>
-          <a:xfrm>
-            <a:off x="0" y="6492877"/>
-            <a:ext cx="7086600" cy="365125"/>
-          </a:xfrm>
-          <a:prstGeom prst="rect">
-            <a:avLst/>
-          </a:prstGeom>
-        </p:spPr>
-        <p:txBody>
-          <a:bodyPr/>
-          <a:lstStyle>
-            <a:lvl1pPr marL="0" indent="0">
-              <a:spcBef>
-                <a:spcPts val="0"/>
-              </a:spcBef>
-              <a:buNone/>
-              <a:defRPr sz="1200">
-                <a:latin typeface="Arial" panose="020B0604020202020204" pitchFamily="34" charset="0"/>
-                <a:cs typeface="Arial" panose="020B0604020202020204" pitchFamily="34" charset="0"/>
-              </a:defRPr>
-            </a:lvl1pPr>
-          </a:lstStyle>
-          <a:p>
-            <a:pPr marL="0" marR="0" lvl="0" indent="0" algn="l" defTabSz="914400" rtl="0" eaLnBrk="1" fontAlgn="auto" latinLnBrk="0" hangingPunct="1">
-              <a:lnSpc>
-                <a:spcPct val="90000"/>
-              </a:lnSpc>
-              <a:spcBef>
-                <a:spcPts val="1000"/>
-              </a:spcBef>
-              <a:spcAft>
-                <a:spcPts val="0"/>
-              </a:spcAft>
-              <a:buClrTx/>
-              <a:buSzTx/>
-              <a:buFont typeface="Arial" panose="020B0604020202020204" pitchFamily="34" charset="0"/>
-              <a:buNone/>
-              <a:tabLst/>
-              <a:defRPr/>
-            </a:pPr>
-            <a:r>
-              <a:rPr lang="en-US" dirty="0"/>
-              <a:t>Click to edit Master text styles</a:t>
-            </a:r>
-          </a:p>
-          <a:p>
-            <a:pPr lvl="0"/>
-            <a:endParaRPr lang="en-US" dirty="0"/>
-          </a:p>
-        </p:txBody>
-      </p:sp>
-      <p:sp>
-        <p:nvSpPr>
           <p:cNvPr id="3" name="Content Placeholder 8">
             <a:extLst>
               <a:ext uri="{FF2B5EF4-FFF2-40B4-BE49-F238E27FC236}">
@@ -4605,6 +4525,71 @@
           </a:lstStyle>
           <a:p>
             <a:pPr lvl="0"/>
+            <a:r>
+              <a:rPr lang="en-US" dirty="0"/>
+              <a:t>Click to edit Master text styles</a:t>
+            </a:r>
+          </a:p>
+        </p:txBody>
+      </p:sp>
+      <p:sp>
+        <p:nvSpPr>
+          <p:cNvPr id="2" name="Text Placeholder 2">
+            <a:extLst>
+              <a:ext uri="{FF2B5EF4-FFF2-40B4-BE49-F238E27FC236}">
+                <a16:creationId xmlns:a16="http://schemas.microsoft.com/office/drawing/2014/main" id="{9536CDE6-C06E-E96D-0F0A-07F9564846B8}"/>
+              </a:ext>
+            </a:extLst>
+          </p:cNvPr>
+          <p:cNvSpPr>
+            <a:spLocks noGrp="1"/>
+          </p:cNvSpPr>
+          <p:nvPr>
+            <p:ph type="body" sz="quarter" idx="13"/>
+          </p:nvPr>
+        </p:nvSpPr>
+        <p:spPr>
+          <a:xfrm>
+            <a:off x="-9031" y="6485890"/>
+            <a:ext cx="7095631" cy="365125"/>
+          </a:xfrm>
+          <a:prstGeom prst="rect">
+            <a:avLst/>
+          </a:prstGeom>
+        </p:spPr>
+        <p:txBody>
+          <a:bodyPr/>
+          <a:lstStyle>
+            <a:lvl1pPr marL="0" indent="0">
+              <a:buNone/>
+              <a:defRPr lang="en-US" sz="1200" kern="1200" dirty="0">
+                <a:solidFill>
+                  <a:schemeClr val="tx1"/>
+                </a:solidFill>
+                <a:latin typeface="Arial" panose="020B0604020202020204" pitchFamily="34" charset="0"/>
+                <a:ea typeface="+mn-ea"/>
+                <a:cs typeface="Arial" panose="020B0604020202020204" pitchFamily="34" charset="0"/>
+              </a:defRPr>
+            </a:lvl1pPr>
+          </a:lstStyle>
+          <a:p>
+            <a:pPr marL="0" marR="0" lvl="0" indent="0" algn="l" defTabSz="914400" rtl="0" eaLnBrk="1" fontAlgn="auto" latinLnBrk="0" hangingPunct="1">
+              <a:lnSpc>
+                <a:spcPct val="90000"/>
+              </a:lnSpc>
+              <a:spcBef>
+                <a:spcPts val="1000"/>
+              </a:spcBef>
+              <a:spcAft>
+                <a:spcPts val="0"/>
+              </a:spcAft>
+              <a:buClrTx/>
+              <a:buSzTx/>
+              <a:buFont typeface="Arial" panose="020B0604020202020204" pitchFamily="34" charset="0"/>
+              <a:buNone/>
+              <a:tabLst/>
+              <a:defRPr/>
+            </a:pPr>
             <a:r>
               <a:rPr lang="en-US" dirty="0"/>
               <a:t>Click to edit Master text styles</a:t>
